--- a/notes/algorritms/src/draft.pptx
+++ b/notes/algorritms/src/draft.pptx
@@ -5,12 +5,13 @@
     <p:sldMasterId id="2147483648" r:id="rId1"/>
   </p:sldMasterIdLst>
   <p:notesMasterIdLst>
-    <p:notesMasterId r:id="rId5"/>
+    <p:notesMasterId r:id="rId6"/>
   </p:notesMasterIdLst>
   <p:sldIdLst>
     <p:sldId id="257" r:id="rId2"/>
     <p:sldId id="258" r:id="rId3"/>
-    <p:sldId id="259" r:id="rId4"/>
+    <p:sldId id="260" r:id="rId4"/>
+    <p:sldId id="259" r:id="rId5"/>
   </p:sldIdLst>
   <p:sldSz cx="12192000" cy="6858000"/>
   <p:notesSz cx="6858000" cy="9144000"/>
@@ -199,7 +200,7 @@
           <a:p>
             <a:fld id="{809B3755-3133-4EAF-A000-0AF028F561C4}" type="datetimeFigureOut">
               <a:rPr lang="en-US" smtClean="0"/>
-              <a:t>4/8/2024</a:t>
+              <a:t>9/2/2024</a:t>
             </a:fld>
             <a:endParaRPr lang="en-US"/>
           </a:p>
@@ -697,7 +698,7 @@
           <a:p>
             <a:fld id="{BB200E46-A8A7-47CD-9DF4-FDC30797378B}" type="datetimeFigureOut">
               <a:rPr lang="en-US" smtClean="0"/>
-              <a:t>4/8/2024</a:t>
+              <a:t>9/2/2024</a:t>
             </a:fld>
             <a:endParaRPr lang="en-US"/>
           </a:p>
@@ -895,7 +896,7 @@
           <a:p>
             <a:fld id="{BB200E46-A8A7-47CD-9DF4-FDC30797378B}" type="datetimeFigureOut">
               <a:rPr lang="en-US" smtClean="0"/>
-              <a:t>4/8/2024</a:t>
+              <a:t>9/2/2024</a:t>
             </a:fld>
             <a:endParaRPr lang="en-US"/>
           </a:p>
@@ -1103,7 +1104,7 @@
           <a:p>
             <a:fld id="{BB200E46-A8A7-47CD-9DF4-FDC30797378B}" type="datetimeFigureOut">
               <a:rPr lang="en-US" smtClean="0"/>
-              <a:t>4/8/2024</a:t>
+              <a:t>9/2/2024</a:t>
             </a:fld>
             <a:endParaRPr lang="en-US"/>
           </a:p>
@@ -1301,7 +1302,7 @@
           <a:p>
             <a:fld id="{BB200E46-A8A7-47CD-9DF4-FDC30797378B}" type="datetimeFigureOut">
               <a:rPr lang="en-US" smtClean="0"/>
-              <a:t>4/8/2024</a:t>
+              <a:t>9/2/2024</a:t>
             </a:fld>
             <a:endParaRPr lang="en-US"/>
           </a:p>
@@ -1576,7 +1577,7 @@
           <a:p>
             <a:fld id="{BB200E46-A8A7-47CD-9DF4-FDC30797378B}" type="datetimeFigureOut">
               <a:rPr lang="en-US" smtClean="0"/>
-              <a:t>4/8/2024</a:t>
+              <a:t>9/2/2024</a:t>
             </a:fld>
             <a:endParaRPr lang="en-US"/>
           </a:p>
@@ -1841,7 +1842,7 @@
           <a:p>
             <a:fld id="{BB200E46-A8A7-47CD-9DF4-FDC30797378B}" type="datetimeFigureOut">
               <a:rPr lang="en-US" smtClean="0"/>
-              <a:t>4/8/2024</a:t>
+              <a:t>9/2/2024</a:t>
             </a:fld>
             <a:endParaRPr lang="en-US"/>
           </a:p>
@@ -2253,7 +2254,7 @@
           <a:p>
             <a:fld id="{BB200E46-A8A7-47CD-9DF4-FDC30797378B}" type="datetimeFigureOut">
               <a:rPr lang="en-US" smtClean="0"/>
-              <a:t>4/8/2024</a:t>
+              <a:t>9/2/2024</a:t>
             </a:fld>
             <a:endParaRPr lang="en-US"/>
           </a:p>
@@ -2394,7 +2395,7 @@
           <a:p>
             <a:fld id="{BB200E46-A8A7-47CD-9DF4-FDC30797378B}" type="datetimeFigureOut">
               <a:rPr lang="en-US" smtClean="0"/>
-              <a:t>4/8/2024</a:t>
+              <a:t>9/2/2024</a:t>
             </a:fld>
             <a:endParaRPr lang="en-US"/>
           </a:p>
@@ -2507,7 +2508,7 @@
           <a:p>
             <a:fld id="{BB200E46-A8A7-47CD-9DF4-FDC30797378B}" type="datetimeFigureOut">
               <a:rPr lang="en-US" smtClean="0"/>
-              <a:t>4/8/2024</a:t>
+              <a:t>9/2/2024</a:t>
             </a:fld>
             <a:endParaRPr lang="en-US"/>
           </a:p>
@@ -2818,7 +2819,7 @@
           <a:p>
             <a:fld id="{BB200E46-A8A7-47CD-9DF4-FDC30797378B}" type="datetimeFigureOut">
               <a:rPr lang="en-US" smtClean="0"/>
-              <a:t>4/8/2024</a:t>
+              <a:t>9/2/2024</a:t>
             </a:fld>
             <a:endParaRPr lang="en-US"/>
           </a:p>
@@ -3106,7 +3107,7 @@
           <a:p>
             <a:fld id="{BB200E46-A8A7-47CD-9DF4-FDC30797378B}" type="datetimeFigureOut">
               <a:rPr lang="en-US" smtClean="0"/>
-              <a:t>4/8/2024</a:t>
+              <a:t>9/2/2024</a:t>
             </a:fld>
             <a:endParaRPr lang="en-US"/>
           </a:p>
@@ -3347,7 +3348,7 @@
           <a:p>
             <a:fld id="{BB200E46-A8A7-47CD-9DF4-FDC30797378B}" type="datetimeFigureOut">
               <a:rPr lang="en-US" smtClean="0"/>
-              <a:t>4/8/2024</a:t>
+              <a:t>9/2/2024</a:t>
             </a:fld>
             <a:endParaRPr lang="en-US"/>
           </a:p>
@@ -15483,6 +15484,3912 @@
 </file>
 
 <file path=ppt/slides/slide3.xml><?xml version="1.0" encoding="utf-8"?>
+<p:sld xmlns:a="http://schemas.openxmlformats.org/drawingml/2006/main" xmlns:r="http://schemas.openxmlformats.org/officeDocument/2006/relationships" xmlns:p="http://schemas.openxmlformats.org/presentationml/2006/main">
+  <p:cSld>
+    <p:spTree>
+      <p:nvGrpSpPr>
+        <p:cNvPr id="1" name=""/>
+        <p:cNvGrpSpPr/>
+        <p:nvPr/>
+      </p:nvGrpSpPr>
+      <p:grpSpPr>
+        <a:xfrm>
+          <a:off x="0" y="0"/>
+          <a:ext cx="0" cy="0"/>
+          <a:chOff x="0" y="0"/>
+          <a:chExt cx="0" cy="0"/>
+        </a:xfrm>
+      </p:grpSpPr>
+      <p:graphicFrame>
+        <p:nvGraphicFramePr>
+          <p:cNvPr id="2" name="Table 1">
+            <a:extLst>
+              <a:ext uri="{FF2B5EF4-FFF2-40B4-BE49-F238E27FC236}">
+                <a16:creationId xmlns:a16="http://schemas.microsoft.com/office/drawing/2014/main" id="{72F14601-94CA-B85E-AE97-972B4F44DC17}"/>
+              </a:ext>
+            </a:extLst>
+          </p:cNvPr>
+          <p:cNvGraphicFramePr>
+            <a:graphicFrameLocks noGrp="1"/>
+          </p:cNvGraphicFramePr>
+          <p:nvPr>
+            <p:extLst>
+              <p:ext uri="{D42A27DB-BD31-4B8C-83A1-F6EECF244321}">
+                <p14:modId xmlns:p14="http://schemas.microsoft.com/office/powerpoint/2010/main" val="809150355"/>
+              </p:ext>
+            </p:extLst>
+          </p:nvPr>
+        </p:nvGraphicFramePr>
+        <p:xfrm>
+          <a:off x="86426" y="124376"/>
+          <a:ext cx="5943600" cy="370840"/>
+        </p:xfrm>
+        <a:graphic>
+          <a:graphicData uri="http://schemas.openxmlformats.org/drawingml/2006/table">
+            <a:tbl>
+              <a:tblPr firstRow="1" bandRow="1">
+                <a:tableStyleId>{5940675A-B579-460E-94D1-54222C63F5DA}</a:tableStyleId>
+              </a:tblPr>
+              <a:tblGrid>
+                <a:gridCol w="457200">
+                  <a:extLst>
+                    <a:ext uri="{9D8B030D-6E8A-4147-A177-3AD203B41FA5}">
+                      <a16:colId xmlns:a16="http://schemas.microsoft.com/office/drawing/2014/main" val="1059243255"/>
+                    </a:ext>
+                  </a:extLst>
+                </a:gridCol>
+                <a:gridCol w="457200">
+                  <a:extLst>
+                    <a:ext uri="{9D8B030D-6E8A-4147-A177-3AD203B41FA5}">
+                      <a16:colId xmlns:a16="http://schemas.microsoft.com/office/drawing/2014/main" val="4117573972"/>
+                    </a:ext>
+                  </a:extLst>
+                </a:gridCol>
+                <a:gridCol w="457200">
+                  <a:extLst>
+                    <a:ext uri="{9D8B030D-6E8A-4147-A177-3AD203B41FA5}">
+                      <a16:colId xmlns:a16="http://schemas.microsoft.com/office/drawing/2014/main" val="328980643"/>
+                    </a:ext>
+                  </a:extLst>
+                </a:gridCol>
+                <a:gridCol w="457200">
+                  <a:extLst>
+                    <a:ext uri="{9D8B030D-6E8A-4147-A177-3AD203B41FA5}">
+                      <a16:colId xmlns:a16="http://schemas.microsoft.com/office/drawing/2014/main" val="1401683483"/>
+                    </a:ext>
+                  </a:extLst>
+                </a:gridCol>
+                <a:gridCol w="457200">
+                  <a:extLst>
+                    <a:ext uri="{9D8B030D-6E8A-4147-A177-3AD203B41FA5}">
+                      <a16:colId xmlns:a16="http://schemas.microsoft.com/office/drawing/2014/main" val="805865662"/>
+                    </a:ext>
+                  </a:extLst>
+                </a:gridCol>
+                <a:gridCol w="457200">
+                  <a:extLst>
+                    <a:ext uri="{9D8B030D-6E8A-4147-A177-3AD203B41FA5}">
+                      <a16:colId xmlns:a16="http://schemas.microsoft.com/office/drawing/2014/main" val="2617918214"/>
+                    </a:ext>
+                  </a:extLst>
+                </a:gridCol>
+                <a:gridCol w="457200">
+                  <a:extLst>
+                    <a:ext uri="{9D8B030D-6E8A-4147-A177-3AD203B41FA5}">
+                      <a16:colId xmlns:a16="http://schemas.microsoft.com/office/drawing/2014/main" val="568376669"/>
+                    </a:ext>
+                  </a:extLst>
+                </a:gridCol>
+                <a:gridCol w="457200">
+                  <a:extLst>
+                    <a:ext uri="{9D8B030D-6E8A-4147-A177-3AD203B41FA5}">
+                      <a16:colId xmlns:a16="http://schemas.microsoft.com/office/drawing/2014/main" val="2193006696"/>
+                    </a:ext>
+                  </a:extLst>
+                </a:gridCol>
+                <a:gridCol w="457200">
+                  <a:extLst>
+                    <a:ext uri="{9D8B030D-6E8A-4147-A177-3AD203B41FA5}">
+                      <a16:colId xmlns:a16="http://schemas.microsoft.com/office/drawing/2014/main" val="800261350"/>
+                    </a:ext>
+                  </a:extLst>
+                </a:gridCol>
+                <a:gridCol w="457200">
+                  <a:extLst>
+                    <a:ext uri="{9D8B030D-6E8A-4147-A177-3AD203B41FA5}">
+                      <a16:colId xmlns:a16="http://schemas.microsoft.com/office/drawing/2014/main" val="2071449344"/>
+                    </a:ext>
+                  </a:extLst>
+                </a:gridCol>
+                <a:gridCol w="457200">
+                  <a:extLst>
+                    <a:ext uri="{9D8B030D-6E8A-4147-A177-3AD203B41FA5}">
+                      <a16:colId xmlns:a16="http://schemas.microsoft.com/office/drawing/2014/main" val="754044197"/>
+                    </a:ext>
+                  </a:extLst>
+                </a:gridCol>
+                <a:gridCol w="457200">
+                  <a:extLst>
+                    <a:ext uri="{9D8B030D-6E8A-4147-A177-3AD203B41FA5}">
+                      <a16:colId xmlns:a16="http://schemas.microsoft.com/office/drawing/2014/main" val="1197048852"/>
+                    </a:ext>
+                  </a:extLst>
+                </a:gridCol>
+                <a:gridCol w="457200">
+                  <a:extLst>
+                    <a:ext uri="{9D8B030D-6E8A-4147-A177-3AD203B41FA5}">
+                      <a16:colId xmlns:a16="http://schemas.microsoft.com/office/drawing/2014/main" val="276587474"/>
+                    </a:ext>
+                  </a:extLst>
+                </a:gridCol>
+              </a:tblGrid>
+              <a:tr h="370840">
+                <a:tc>
+                  <a:txBody>
+                    <a:bodyPr/>
+                    <a:lstStyle/>
+                    <a:p>
+                      <a:pPr algn="ctr"/>
+                      <a:r>
+                        <a:rPr lang="en-US" dirty="0"/>
+                        <a:t>81</a:t>
+                      </a:r>
+                    </a:p>
+                  </a:txBody>
+                  <a:tcPr anchor="ctr"/>
+                </a:tc>
+                <a:tc>
+                  <a:txBody>
+                    <a:bodyPr/>
+                    <a:lstStyle/>
+                    <a:p>
+                      <a:pPr algn="ctr"/>
+                      <a:r>
+                        <a:rPr lang="en-US" dirty="0"/>
+                        <a:t>94</a:t>
+                      </a:r>
+                    </a:p>
+                  </a:txBody>
+                  <a:tcPr anchor="ctr"/>
+                </a:tc>
+                <a:tc>
+                  <a:txBody>
+                    <a:bodyPr/>
+                    <a:lstStyle/>
+                    <a:p>
+                      <a:pPr algn="ctr"/>
+                      <a:r>
+                        <a:rPr lang="en-US" dirty="0"/>
+                        <a:t>11</a:t>
+                      </a:r>
+                    </a:p>
+                  </a:txBody>
+                  <a:tcPr anchor="ctr"/>
+                </a:tc>
+                <a:tc>
+                  <a:txBody>
+                    <a:bodyPr/>
+                    <a:lstStyle/>
+                    <a:p>
+                      <a:pPr algn="ctr"/>
+                      <a:r>
+                        <a:rPr lang="en-US" dirty="0"/>
+                        <a:t>96</a:t>
+                      </a:r>
+                    </a:p>
+                  </a:txBody>
+                  <a:tcPr anchor="ctr"/>
+                </a:tc>
+                <a:tc>
+                  <a:txBody>
+                    <a:bodyPr/>
+                    <a:lstStyle/>
+                    <a:p>
+                      <a:pPr algn="ctr"/>
+                      <a:r>
+                        <a:rPr lang="en-US" dirty="0"/>
+                        <a:t>12</a:t>
+                      </a:r>
+                    </a:p>
+                  </a:txBody>
+                  <a:tcPr anchor="ctr"/>
+                </a:tc>
+                <a:tc>
+                  <a:txBody>
+                    <a:bodyPr/>
+                    <a:lstStyle/>
+                    <a:p>
+                      <a:pPr algn="ctr"/>
+                      <a:r>
+                        <a:rPr lang="en-US" dirty="0"/>
+                        <a:t>35</a:t>
+                      </a:r>
+                    </a:p>
+                  </a:txBody>
+                  <a:tcPr anchor="ctr"/>
+                </a:tc>
+                <a:tc>
+                  <a:txBody>
+                    <a:bodyPr/>
+                    <a:lstStyle/>
+                    <a:p>
+                      <a:pPr algn="ctr"/>
+                      <a:r>
+                        <a:rPr lang="en-US" dirty="0"/>
+                        <a:t>17</a:t>
+                      </a:r>
+                    </a:p>
+                  </a:txBody>
+                  <a:tcPr anchor="ctr">
+                    <a:noFill/>
+                  </a:tcPr>
+                </a:tc>
+                <a:tc>
+                  <a:txBody>
+                    <a:bodyPr/>
+                    <a:lstStyle/>
+                    <a:p>
+                      <a:pPr algn="ctr"/>
+                      <a:r>
+                        <a:rPr lang="en-US" dirty="0"/>
+                        <a:t>95</a:t>
+                      </a:r>
+                    </a:p>
+                  </a:txBody>
+                  <a:tcPr anchor="ctr"/>
+                </a:tc>
+                <a:tc>
+                  <a:txBody>
+                    <a:bodyPr/>
+                    <a:lstStyle/>
+                    <a:p>
+                      <a:pPr algn="ctr"/>
+                      <a:r>
+                        <a:rPr lang="en-US" dirty="0"/>
+                        <a:t>28</a:t>
+                      </a:r>
+                    </a:p>
+                  </a:txBody>
+                  <a:tcPr anchor="ctr"/>
+                </a:tc>
+                <a:tc>
+                  <a:txBody>
+                    <a:bodyPr/>
+                    <a:lstStyle/>
+                    <a:p>
+                      <a:pPr algn="ctr"/>
+                      <a:r>
+                        <a:rPr lang="en-US" dirty="0"/>
+                        <a:t>58</a:t>
+                      </a:r>
+                    </a:p>
+                  </a:txBody>
+                  <a:tcPr anchor="ctr"/>
+                </a:tc>
+                <a:tc>
+                  <a:txBody>
+                    <a:bodyPr/>
+                    <a:lstStyle/>
+                    <a:p>
+                      <a:pPr algn="ctr"/>
+                      <a:r>
+                        <a:rPr lang="en-US" dirty="0"/>
+                        <a:t>41</a:t>
+                      </a:r>
+                    </a:p>
+                  </a:txBody>
+                  <a:tcPr anchor="ctr"/>
+                </a:tc>
+                <a:tc>
+                  <a:txBody>
+                    <a:bodyPr/>
+                    <a:lstStyle/>
+                    <a:p>
+                      <a:pPr algn="ctr"/>
+                      <a:r>
+                        <a:rPr lang="en-US" dirty="0"/>
+                        <a:t>75</a:t>
+                      </a:r>
+                    </a:p>
+                  </a:txBody>
+                  <a:tcPr anchor="ctr"/>
+                </a:tc>
+                <a:tc>
+                  <a:txBody>
+                    <a:bodyPr/>
+                    <a:lstStyle/>
+                    <a:p>
+                      <a:pPr algn="ctr"/>
+                      <a:r>
+                        <a:rPr lang="en-US" dirty="0"/>
+                        <a:t>15</a:t>
+                      </a:r>
+                    </a:p>
+                  </a:txBody>
+                  <a:tcPr anchor="ctr"/>
+                </a:tc>
+                <a:extLst>
+                  <a:ext uri="{0D108BD9-81ED-4DB2-BD59-A6C34878D82A}">
+                    <a16:rowId xmlns:a16="http://schemas.microsoft.com/office/drawing/2014/main" val="3240865390"/>
+                  </a:ext>
+                </a:extLst>
+              </a:tr>
+            </a:tbl>
+          </a:graphicData>
+        </a:graphic>
+      </p:graphicFrame>
+      <p:grpSp>
+        <p:nvGrpSpPr>
+          <p:cNvPr id="46" name="Group 45">
+            <a:extLst>
+              <a:ext uri="{FF2B5EF4-FFF2-40B4-BE49-F238E27FC236}">
+                <a16:creationId xmlns:a16="http://schemas.microsoft.com/office/drawing/2014/main" id="{78E31450-FFE1-27A4-351F-A734A0AC4942}"/>
+              </a:ext>
+            </a:extLst>
+          </p:cNvPr>
+          <p:cNvGrpSpPr/>
+          <p:nvPr/>
+        </p:nvGrpSpPr>
+        <p:grpSpPr>
+          <a:xfrm>
+            <a:off x="75156" y="598229"/>
+            <a:ext cx="5443460" cy="2879113"/>
+            <a:chOff x="3975678" y="665736"/>
+            <a:chExt cx="5443460" cy="2879113"/>
+          </a:xfrm>
+        </p:grpSpPr>
+        <p:sp>
+          <p:nvSpPr>
+            <p:cNvPr id="3" name="Oval 2">
+              <a:extLst>
+                <a:ext uri="{FF2B5EF4-FFF2-40B4-BE49-F238E27FC236}">
+                  <a16:creationId xmlns:a16="http://schemas.microsoft.com/office/drawing/2014/main" id="{62815A4A-2B28-5DF1-73FB-D7BBB9FE8E92}"/>
+                </a:ext>
+              </a:extLst>
+            </p:cNvPr>
+            <p:cNvSpPr/>
+            <p:nvPr/>
+          </p:nvSpPr>
+          <p:spPr>
+            <a:xfrm>
+              <a:off x="6486714" y="665736"/>
+              <a:ext cx="613692" cy="613692"/>
+            </a:xfrm>
+            <a:prstGeom prst="ellipse">
+              <a:avLst/>
+            </a:prstGeom>
+          </p:spPr>
+          <p:style>
+            <a:lnRef idx="2">
+              <a:schemeClr val="dk1"/>
+            </a:lnRef>
+            <a:fillRef idx="1">
+              <a:schemeClr val="lt1"/>
+            </a:fillRef>
+            <a:effectRef idx="0">
+              <a:schemeClr val="dk1"/>
+            </a:effectRef>
+            <a:fontRef idx="minor">
+              <a:schemeClr val="dk1"/>
+            </a:fontRef>
+          </p:style>
+          <p:txBody>
+            <a:bodyPr rtlCol="0" anchor="ctr"/>
+            <a:lstStyle/>
+            <a:p>
+              <a:pPr algn="ctr"/>
+              <a:r>
+                <a:rPr lang="en-US" dirty="0"/>
+                <a:t>81</a:t>
+              </a:r>
+            </a:p>
+          </p:txBody>
+        </p:sp>
+        <p:sp>
+          <p:nvSpPr>
+            <p:cNvPr id="4" name="Oval 3">
+              <a:extLst>
+                <a:ext uri="{FF2B5EF4-FFF2-40B4-BE49-F238E27FC236}">
+                  <a16:creationId xmlns:a16="http://schemas.microsoft.com/office/drawing/2014/main" id="{94B93105-D617-1156-A8EB-F2B229C48102}"/>
+                </a:ext>
+              </a:extLst>
+            </p:cNvPr>
+            <p:cNvSpPr/>
+            <p:nvPr/>
+          </p:nvSpPr>
+          <p:spPr>
+            <a:xfrm>
+              <a:off x="5075225" y="1473455"/>
+              <a:ext cx="613692" cy="613692"/>
+            </a:xfrm>
+            <a:prstGeom prst="ellipse">
+              <a:avLst/>
+            </a:prstGeom>
+          </p:spPr>
+          <p:style>
+            <a:lnRef idx="2">
+              <a:schemeClr val="dk1"/>
+            </a:lnRef>
+            <a:fillRef idx="1">
+              <a:schemeClr val="lt1"/>
+            </a:fillRef>
+            <a:effectRef idx="0">
+              <a:schemeClr val="dk1"/>
+            </a:effectRef>
+            <a:fontRef idx="minor">
+              <a:schemeClr val="dk1"/>
+            </a:fontRef>
+          </p:style>
+          <p:txBody>
+            <a:bodyPr rtlCol="0" anchor="ctr"/>
+            <a:lstStyle/>
+            <a:p>
+              <a:pPr algn="ctr"/>
+              <a:r>
+                <a:rPr lang="en-US" dirty="0"/>
+                <a:t>94</a:t>
+              </a:r>
+            </a:p>
+          </p:txBody>
+        </p:sp>
+        <p:sp>
+          <p:nvSpPr>
+            <p:cNvPr id="5" name="Oval 4">
+              <a:extLst>
+                <a:ext uri="{FF2B5EF4-FFF2-40B4-BE49-F238E27FC236}">
+                  <a16:creationId xmlns:a16="http://schemas.microsoft.com/office/drawing/2014/main" id="{D48A3626-C5FE-8A17-537D-488160B8A539}"/>
+                </a:ext>
+              </a:extLst>
+            </p:cNvPr>
+            <p:cNvSpPr/>
+            <p:nvPr/>
+          </p:nvSpPr>
+          <p:spPr>
+            <a:xfrm>
+              <a:off x="8057767" y="1473455"/>
+              <a:ext cx="613692" cy="613692"/>
+            </a:xfrm>
+            <a:prstGeom prst="ellipse">
+              <a:avLst/>
+            </a:prstGeom>
+          </p:spPr>
+          <p:style>
+            <a:lnRef idx="2">
+              <a:schemeClr val="dk1"/>
+            </a:lnRef>
+            <a:fillRef idx="1">
+              <a:schemeClr val="lt1"/>
+            </a:fillRef>
+            <a:effectRef idx="0">
+              <a:schemeClr val="dk1"/>
+            </a:effectRef>
+            <a:fontRef idx="minor">
+              <a:schemeClr val="dk1"/>
+            </a:fontRef>
+          </p:style>
+          <p:txBody>
+            <a:bodyPr rtlCol="0" anchor="ctr"/>
+            <a:lstStyle/>
+            <a:p>
+              <a:pPr algn="ctr"/>
+              <a:r>
+                <a:rPr lang="en-US" dirty="0"/>
+                <a:t>11</a:t>
+              </a:r>
+            </a:p>
+          </p:txBody>
+        </p:sp>
+        <p:sp>
+          <p:nvSpPr>
+            <p:cNvPr id="6" name="Oval 5">
+              <a:extLst>
+                <a:ext uri="{FF2B5EF4-FFF2-40B4-BE49-F238E27FC236}">
+                  <a16:creationId xmlns:a16="http://schemas.microsoft.com/office/drawing/2014/main" id="{E9D49DF2-6DEB-3AD8-579B-3F3924A1B3CB}"/>
+                </a:ext>
+              </a:extLst>
+            </p:cNvPr>
+            <p:cNvSpPr/>
+            <p:nvPr/>
+          </p:nvSpPr>
+          <p:spPr>
+            <a:xfrm>
+              <a:off x="4293794" y="2204515"/>
+              <a:ext cx="613692" cy="613692"/>
+            </a:xfrm>
+            <a:prstGeom prst="ellipse">
+              <a:avLst/>
+            </a:prstGeom>
+          </p:spPr>
+          <p:style>
+            <a:lnRef idx="2">
+              <a:schemeClr val="dk1"/>
+            </a:lnRef>
+            <a:fillRef idx="1">
+              <a:schemeClr val="lt1"/>
+            </a:fillRef>
+            <a:effectRef idx="0">
+              <a:schemeClr val="dk1"/>
+            </a:effectRef>
+            <a:fontRef idx="minor">
+              <a:schemeClr val="dk1"/>
+            </a:fontRef>
+          </p:style>
+          <p:txBody>
+            <a:bodyPr rtlCol="0" anchor="ctr"/>
+            <a:lstStyle/>
+            <a:p>
+              <a:pPr algn="ctr"/>
+              <a:r>
+                <a:rPr lang="en-US" dirty="0"/>
+                <a:t>96</a:t>
+              </a:r>
+            </a:p>
+          </p:txBody>
+        </p:sp>
+        <p:sp>
+          <p:nvSpPr>
+            <p:cNvPr id="7" name="Oval 6">
+              <a:extLst>
+                <a:ext uri="{FF2B5EF4-FFF2-40B4-BE49-F238E27FC236}">
+                  <a16:creationId xmlns:a16="http://schemas.microsoft.com/office/drawing/2014/main" id="{4C7D5074-BBF0-0614-14E7-EEAC00E879CD}"/>
+                </a:ext>
+              </a:extLst>
+            </p:cNvPr>
+            <p:cNvSpPr/>
+            <p:nvPr/>
+          </p:nvSpPr>
+          <p:spPr>
+            <a:xfrm>
+              <a:off x="5799380" y="2204515"/>
+              <a:ext cx="613692" cy="613692"/>
+            </a:xfrm>
+            <a:prstGeom prst="ellipse">
+              <a:avLst/>
+            </a:prstGeom>
+          </p:spPr>
+          <p:style>
+            <a:lnRef idx="2">
+              <a:schemeClr val="dk1"/>
+            </a:lnRef>
+            <a:fillRef idx="1">
+              <a:schemeClr val="lt1"/>
+            </a:fillRef>
+            <a:effectRef idx="0">
+              <a:schemeClr val="dk1"/>
+            </a:effectRef>
+            <a:fontRef idx="minor">
+              <a:schemeClr val="dk1"/>
+            </a:fontRef>
+          </p:style>
+          <p:txBody>
+            <a:bodyPr rtlCol="0" anchor="ctr"/>
+            <a:lstStyle/>
+            <a:p>
+              <a:pPr algn="ctr"/>
+              <a:r>
+                <a:rPr lang="en-US" dirty="0"/>
+                <a:t>12</a:t>
+              </a:r>
+            </a:p>
+          </p:txBody>
+        </p:sp>
+        <p:sp>
+          <p:nvSpPr>
+            <p:cNvPr id="8" name="Oval 7">
+              <a:extLst>
+                <a:ext uri="{FF2B5EF4-FFF2-40B4-BE49-F238E27FC236}">
+                  <a16:creationId xmlns:a16="http://schemas.microsoft.com/office/drawing/2014/main" id="{DD9C1ADD-33E5-8CFC-DB4E-42E4A781270D}"/>
+                </a:ext>
+              </a:extLst>
+            </p:cNvPr>
+            <p:cNvSpPr/>
+            <p:nvPr/>
+          </p:nvSpPr>
+          <p:spPr>
+            <a:xfrm>
+              <a:off x="7345888" y="2204515"/>
+              <a:ext cx="613692" cy="613692"/>
+            </a:xfrm>
+            <a:prstGeom prst="ellipse">
+              <a:avLst/>
+            </a:prstGeom>
+          </p:spPr>
+          <p:style>
+            <a:lnRef idx="2">
+              <a:schemeClr val="dk1"/>
+            </a:lnRef>
+            <a:fillRef idx="1">
+              <a:schemeClr val="lt1"/>
+            </a:fillRef>
+            <a:effectRef idx="0">
+              <a:schemeClr val="dk1"/>
+            </a:effectRef>
+            <a:fontRef idx="minor">
+              <a:schemeClr val="dk1"/>
+            </a:fontRef>
+          </p:style>
+          <p:txBody>
+            <a:bodyPr rtlCol="0" anchor="ctr"/>
+            <a:lstStyle/>
+            <a:p>
+              <a:pPr algn="ctr"/>
+              <a:r>
+                <a:rPr lang="en-US" dirty="0"/>
+                <a:t>35</a:t>
+              </a:r>
+            </a:p>
+          </p:txBody>
+        </p:sp>
+        <p:sp>
+          <p:nvSpPr>
+            <p:cNvPr id="9" name="Oval 8">
+              <a:extLst>
+                <a:ext uri="{FF2B5EF4-FFF2-40B4-BE49-F238E27FC236}">
+                  <a16:creationId xmlns:a16="http://schemas.microsoft.com/office/drawing/2014/main" id="{99F2FF9B-53C8-D71D-7C1A-BE77D4A4223A}"/>
+                </a:ext>
+              </a:extLst>
+            </p:cNvPr>
+            <p:cNvSpPr/>
+            <p:nvPr/>
+          </p:nvSpPr>
+          <p:spPr>
+            <a:xfrm>
+              <a:off x="8805446" y="2204515"/>
+              <a:ext cx="613692" cy="613692"/>
+            </a:xfrm>
+            <a:prstGeom prst="ellipse">
+              <a:avLst/>
+            </a:prstGeom>
+          </p:spPr>
+          <p:style>
+            <a:lnRef idx="2">
+              <a:schemeClr val="dk1"/>
+            </a:lnRef>
+            <a:fillRef idx="1">
+              <a:schemeClr val="lt1"/>
+            </a:fillRef>
+            <a:effectRef idx="0">
+              <a:schemeClr val="dk1"/>
+            </a:effectRef>
+            <a:fontRef idx="minor">
+              <a:schemeClr val="dk1"/>
+            </a:fontRef>
+          </p:style>
+          <p:txBody>
+            <a:bodyPr rtlCol="0" anchor="ctr"/>
+            <a:lstStyle/>
+            <a:p>
+              <a:pPr algn="ctr"/>
+              <a:r>
+                <a:rPr lang="en-US" dirty="0"/>
+                <a:t>17</a:t>
+              </a:r>
+            </a:p>
+          </p:txBody>
+        </p:sp>
+        <p:sp>
+          <p:nvSpPr>
+            <p:cNvPr id="10" name="Oval 9">
+              <a:extLst>
+                <a:ext uri="{FF2B5EF4-FFF2-40B4-BE49-F238E27FC236}">
+                  <a16:creationId xmlns:a16="http://schemas.microsoft.com/office/drawing/2014/main" id="{DCE94ABE-F69E-6177-7CBA-BDADD4D0D873}"/>
+                </a:ext>
+              </a:extLst>
+            </p:cNvPr>
+            <p:cNvSpPr/>
+            <p:nvPr/>
+          </p:nvSpPr>
+          <p:spPr>
+            <a:xfrm>
+              <a:off x="3975678" y="2931157"/>
+              <a:ext cx="613692" cy="613692"/>
+            </a:xfrm>
+            <a:prstGeom prst="ellipse">
+              <a:avLst/>
+            </a:prstGeom>
+          </p:spPr>
+          <p:style>
+            <a:lnRef idx="2">
+              <a:schemeClr val="dk1"/>
+            </a:lnRef>
+            <a:fillRef idx="1">
+              <a:schemeClr val="lt1"/>
+            </a:fillRef>
+            <a:effectRef idx="0">
+              <a:schemeClr val="dk1"/>
+            </a:effectRef>
+            <a:fontRef idx="minor">
+              <a:schemeClr val="dk1"/>
+            </a:fontRef>
+          </p:style>
+          <p:txBody>
+            <a:bodyPr rtlCol="0" anchor="ctr"/>
+            <a:lstStyle/>
+            <a:p>
+              <a:pPr algn="ctr"/>
+              <a:r>
+                <a:rPr lang="en-US" dirty="0"/>
+                <a:t>95</a:t>
+              </a:r>
+            </a:p>
+          </p:txBody>
+        </p:sp>
+        <p:sp>
+          <p:nvSpPr>
+            <p:cNvPr id="11" name="Oval 10">
+              <a:extLst>
+                <a:ext uri="{FF2B5EF4-FFF2-40B4-BE49-F238E27FC236}">
+                  <a16:creationId xmlns:a16="http://schemas.microsoft.com/office/drawing/2014/main" id="{B6CB7A8E-5A8E-80BA-F190-35D0FF39FF99}"/>
+                </a:ext>
+              </a:extLst>
+            </p:cNvPr>
+            <p:cNvSpPr/>
+            <p:nvPr/>
+          </p:nvSpPr>
+          <p:spPr>
+            <a:xfrm>
+              <a:off x="4600640" y="2931157"/>
+              <a:ext cx="613692" cy="613692"/>
+            </a:xfrm>
+            <a:prstGeom prst="ellipse">
+              <a:avLst/>
+            </a:prstGeom>
+          </p:spPr>
+          <p:style>
+            <a:lnRef idx="2">
+              <a:schemeClr val="dk1"/>
+            </a:lnRef>
+            <a:fillRef idx="1">
+              <a:schemeClr val="lt1"/>
+            </a:fillRef>
+            <a:effectRef idx="0">
+              <a:schemeClr val="dk1"/>
+            </a:effectRef>
+            <a:fontRef idx="minor">
+              <a:schemeClr val="dk1"/>
+            </a:fontRef>
+          </p:style>
+          <p:txBody>
+            <a:bodyPr rtlCol="0" anchor="ctr"/>
+            <a:lstStyle/>
+            <a:p>
+              <a:pPr algn="ctr"/>
+              <a:r>
+                <a:rPr lang="en-US" dirty="0"/>
+                <a:t>28</a:t>
+              </a:r>
+            </a:p>
+          </p:txBody>
+        </p:sp>
+        <p:sp>
+          <p:nvSpPr>
+            <p:cNvPr id="12" name="Oval 11">
+              <a:extLst>
+                <a:ext uri="{FF2B5EF4-FFF2-40B4-BE49-F238E27FC236}">
+                  <a16:creationId xmlns:a16="http://schemas.microsoft.com/office/drawing/2014/main" id="{150C42CD-A1AA-A2E6-6B4F-39DA10CDD866}"/>
+                </a:ext>
+              </a:extLst>
+            </p:cNvPr>
+            <p:cNvSpPr/>
+            <p:nvPr/>
+          </p:nvSpPr>
+          <p:spPr>
+            <a:xfrm>
+              <a:off x="5492534" y="2931157"/>
+              <a:ext cx="613692" cy="613692"/>
+            </a:xfrm>
+            <a:prstGeom prst="ellipse">
+              <a:avLst/>
+            </a:prstGeom>
+          </p:spPr>
+          <p:style>
+            <a:lnRef idx="2">
+              <a:schemeClr val="dk1"/>
+            </a:lnRef>
+            <a:fillRef idx="1">
+              <a:schemeClr val="lt1"/>
+            </a:fillRef>
+            <a:effectRef idx="0">
+              <a:schemeClr val="dk1"/>
+            </a:effectRef>
+            <a:fontRef idx="minor">
+              <a:schemeClr val="dk1"/>
+            </a:fontRef>
+          </p:style>
+          <p:txBody>
+            <a:bodyPr rtlCol="0" anchor="ctr"/>
+            <a:lstStyle/>
+            <a:p>
+              <a:pPr algn="ctr"/>
+              <a:r>
+                <a:rPr lang="en-US" dirty="0"/>
+                <a:t>58</a:t>
+              </a:r>
+            </a:p>
+          </p:txBody>
+        </p:sp>
+        <p:sp>
+          <p:nvSpPr>
+            <p:cNvPr id="13" name="Oval 12">
+              <a:extLst>
+                <a:ext uri="{FF2B5EF4-FFF2-40B4-BE49-F238E27FC236}">
+                  <a16:creationId xmlns:a16="http://schemas.microsoft.com/office/drawing/2014/main" id="{F05955F8-69BC-2838-B14E-B85BEE0B9BCE}"/>
+                </a:ext>
+              </a:extLst>
+            </p:cNvPr>
+            <p:cNvSpPr/>
+            <p:nvPr/>
+          </p:nvSpPr>
+          <p:spPr>
+            <a:xfrm>
+              <a:off x="6110820" y="2931157"/>
+              <a:ext cx="613692" cy="613692"/>
+            </a:xfrm>
+            <a:prstGeom prst="ellipse">
+              <a:avLst/>
+            </a:prstGeom>
+          </p:spPr>
+          <p:style>
+            <a:lnRef idx="2">
+              <a:schemeClr val="dk1"/>
+            </a:lnRef>
+            <a:fillRef idx="1">
+              <a:schemeClr val="lt1"/>
+            </a:fillRef>
+            <a:effectRef idx="0">
+              <a:schemeClr val="dk1"/>
+            </a:effectRef>
+            <a:fontRef idx="minor">
+              <a:schemeClr val="dk1"/>
+            </a:fontRef>
+          </p:style>
+          <p:txBody>
+            <a:bodyPr rtlCol="0" anchor="ctr"/>
+            <a:lstStyle/>
+            <a:p>
+              <a:pPr algn="ctr"/>
+              <a:r>
+                <a:rPr lang="en-US" dirty="0"/>
+                <a:t>41</a:t>
+              </a:r>
+            </a:p>
+          </p:txBody>
+        </p:sp>
+        <p:sp>
+          <p:nvSpPr>
+            <p:cNvPr id="14" name="Oval 13">
+              <a:extLst>
+                <a:ext uri="{FF2B5EF4-FFF2-40B4-BE49-F238E27FC236}">
+                  <a16:creationId xmlns:a16="http://schemas.microsoft.com/office/drawing/2014/main" id="{17AA38F2-4F17-5DF6-CC07-B2C24225AA16}"/>
+                </a:ext>
+              </a:extLst>
+            </p:cNvPr>
+            <p:cNvSpPr/>
+            <p:nvPr/>
+          </p:nvSpPr>
+          <p:spPr>
+            <a:xfrm>
+              <a:off x="7039042" y="2931157"/>
+              <a:ext cx="613692" cy="613692"/>
+            </a:xfrm>
+            <a:prstGeom prst="ellipse">
+              <a:avLst/>
+            </a:prstGeom>
+          </p:spPr>
+          <p:style>
+            <a:lnRef idx="2">
+              <a:schemeClr val="dk1"/>
+            </a:lnRef>
+            <a:fillRef idx="1">
+              <a:schemeClr val="lt1"/>
+            </a:fillRef>
+            <a:effectRef idx="0">
+              <a:schemeClr val="dk1"/>
+            </a:effectRef>
+            <a:fontRef idx="minor">
+              <a:schemeClr val="dk1"/>
+            </a:fontRef>
+          </p:style>
+          <p:txBody>
+            <a:bodyPr rtlCol="0" anchor="ctr"/>
+            <a:lstStyle/>
+            <a:p>
+              <a:pPr algn="ctr"/>
+              <a:r>
+                <a:rPr lang="en-US" dirty="0"/>
+                <a:t>75</a:t>
+              </a:r>
+            </a:p>
+          </p:txBody>
+        </p:sp>
+        <p:sp>
+          <p:nvSpPr>
+            <p:cNvPr id="15" name="Oval 14">
+              <a:extLst>
+                <a:ext uri="{FF2B5EF4-FFF2-40B4-BE49-F238E27FC236}">
+                  <a16:creationId xmlns:a16="http://schemas.microsoft.com/office/drawing/2014/main" id="{4D894744-199D-7820-5267-8ACEE4357F63}"/>
+                </a:ext>
+              </a:extLst>
+            </p:cNvPr>
+            <p:cNvSpPr/>
+            <p:nvPr/>
+          </p:nvSpPr>
+          <p:spPr>
+            <a:xfrm>
+              <a:off x="7652734" y="2931157"/>
+              <a:ext cx="613692" cy="613692"/>
+            </a:xfrm>
+            <a:prstGeom prst="ellipse">
+              <a:avLst/>
+            </a:prstGeom>
+          </p:spPr>
+          <p:style>
+            <a:lnRef idx="2">
+              <a:schemeClr val="dk1"/>
+            </a:lnRef>
+            <a:fillRef idx="1">
+              <a:schemeClr val="lt1"/>
+            </a:fillRef>
+            <a:effectRef idx="0">
+              <a:schemeClr val="dk1"/>
+            </a:effectRef>
+            <a:fontRef idx="minor">
+              <a:schemeClr val="dk1"/>
+            </a:fontRef>
+          </p:style>
+          <p:txBody>
+            <a:bodyPr rtlCol="0" anchor="ctr"/>
+            <a:lstStyle/>
+            <a:p>
+              <a:pPr algn="ctr"/>
+              <a:r>
+                <a:rPr lang="en-US" dirty="0"/>
+                <a:t>15</a:t>
+              </a:r>
+            </a:p>
+          </p:txBody>
+        </p:sp>
+        <p:cxnSp>
+          <p:nvCxnSpPr>
+            <p:cNvPr id="17" name="Straight Connector 16">
+              <a:extLst>
+                <a:ext uri="{FF2B5EF4-FFF2-40B4-BE49-F238E27FC236}">
+                  <a16:creationId xmlns:a16="http://schemas.microsoft.com/office/drawing/2014/main" id="{35C95739-CAE2-FBA2-6499-B9E7C3EA9E24}"/>
+                </a:ext>
+              </a:extLst>
+            </p:cNvPr>
+            <p:cNvCxnSpPr>
+              <a:cxnSpLocks/>
+              <a:stCxn id="3" idx="3"/>
+              <a:endCxn id="4" idx="0"/>
+            </p:cNvCxnSpPr>
+            <p:nvPr/>
+          </p:nvCxnSpPr>
+          <p:spPr>
+            <a:xfrm flipH="1">
+              <a:off x="5382071" y="1189555"/>
+              <a:ext cx="1194516" cy="283900"/>
+            </a:xfrm>
+            <a:prstGeom prst="line">
+              <a:avLst/>
+            </a:prstGeom>
+          </p:spPr>
+          <p:style>
+            <a:lnRef idx="2">
+              <a:schemeClr val="dk1"/>
+            </a:lnRef>
+            <a:fillRef idx="0">
+              <a:schemeClr val="dk1"/>
+            </a:fillRef>
+            <a:effectRef idx="1">
+              <a:schemeClr val="dk1"/>
+            </a:effectRef>
+            <a:fontRef idx="minor">
+              <a:schemeClr val="tx1"/>
+            </a:fontRef>
+          </p:style>
+        </p:cxnSp>
+        <p:cxnSp>
+          <p:nvCxnSpPr>
+            <p:cNvPr id="19" name="Straight Connector 18">
+              <a:extLst>
+                <a:ext uri="{FF2B5EF4-FFF2-40B4-BE49-F238E27FC236}">
+                  <a16:creationId xmlns:a16="http://schemas.microsoft.com/office/drawing/2014/main" id="{46963B96-4233-354D-2083-2C93FD1AC9AA}"/>
+                </a:ext>
+              </a:extLst>
+            </p:cNvPr>
+            <p:cNvCxnSpPr>
+              <a:cxnSpLocks/>
+              <a:stCxn id="3" idx="5"/>
+              <a:endCxn id="5" idx="0"/>
+            </p:cNvCxnSpPr>
+            <p:nvPr/>
+          </p:nvCxnSpPr>
+          <p:spPr>
+            <a:xfrm>
+              <a:off x="7010533" y="1189555"/>
+              <a:ext cx="1354080" cy="283900"/>
+            </a:xfrm>
+            <a:prstGeom prst="line">
+              <a:avLst/>
+            </a:prstGeom>
+          </p:spPr>
+          <p:style>
+            <a:lnRef idx="2">
+              <a:schemeClr val="dk1"/>
+            </a:lnRef>
+            <a:fillRef idx="0">
+              <a:schemeClr val="dk1"/>
+            </a:fillRef>
+            <a:effectRef idx="1">
+              <a:schemeClr val="dk1"/>
+            </a:effectRef>
+            <a:fontRef idx="minor">
+              <a:schemeClr val="tx1"/>
+            </a:fontRef>
+          </p:style>
+        </p:cxnSp>
+        <p:cxnSp>
+          <p:nvCxnSpPr>
+            <p:cNvPr id="21" name="Straight Connector 20">
+              <a:extLst>
+                <a:ext uri="{FF2B5EF4-FFF2-40B4-BE49-F238E27FC236}">
+                  <a16:creationId xmlns:a16="http://schemas.microsoft.com/office/drawing/2014/main" id="{56839F22-0378-1440-4863-03D73B8631EC}"/>
+                </a:ext>
+              </a:extLst>
+            </p:cNvPr>
+            <p:cNvCxnSpPr>
+              <a:stCxn id="4" idx="3"/>
+              <a:endCxn id="6" idx="0"/>
+            </p:cNvCxnSpPr>
+            <p:nvPr/>
+          </p:nvCxnSpPr>
+          <p:spPr>
+            <a:xfrm flipH="1">
+              <a:off x="4600640" y="1997274"/>
+              <a:ext cx="564458" cy="207241"/>
+            </a:xfrm>
+            <a:prstGeom prst="line">
+              <a:avLst/>
+            </a:prstGeom>
+          </p:spPr>
+          <p:style>
+            <a:lnRef idx="2">
+              <a:schemeClr val="dk1"/>
+            </a:lnRef>
+            <a:fillRef idx="0">
+              <a:schemeClr val="dk1"/>
+            </a:fillRef>
+            <a:effectRef idx="1">
+              <a:schemeClr val="dk1"/>
+            </a:effectRef>
+            <a:fontRef idx="minor">
+              <a:schemeClr val="tx1"/>
+            </a:fontRef>
+          </p:style>
+        </p:cxnSp>
+        <p:cxnSp>
+          <p:nvCxnSpPr>
+            <p:cNvPr id="25" name="Straight Connector 24">
+              <a:extLst>
+                <a:ext uri="{FF2B5EF4-FFF2-40B4-BE49-F238E27FC236}">
+                  <a16:creationId xmlns:a16="http://schemas.microsoft.com/office/drawing/2014/main" id="{A54D06F1-6248-6FD6-0F20-D59F32BF1E9A}"/>
+                </a:ext>
+              </a:extLst>
+            </p:cNvPr>
+            <p:cNvCxnSpPr>
+              <a:stCxn id="4" idx="5"/>
+              <a:endCxn id="7" idx="0"/>
+            </p:cNvCxnSpPr>
+            <p:nvPr/>
+          </p:nvCxnSpPr>
+          <p:spPr>
+            <a:xfrm>
+              <a:off x="5599044" y="1997274"/>
+              <a:ext cx="507182" cy="207241"/>
+            </a:xfrm>
+            <a:prstGeom prst="line">
+              <a:avLst/>
+            </a:prstGeom>
+          </p:spPr>
+          <p:style>
+            <a:lnRef idx="2">
+              <a:schemeClr val="dk1"/>
+            </a:lnRef>
+            <a:fillRef idx="0">
+              <a:schemeClr val="dk1"/>
+            </a:fillRef>
+            <a:effectRef idx="1">
+              <a:schemeClr val="dk1"/>
+            </a:effectRef>
+            <a:fontRef idx="minor">
+              <a:schemeClr val="tx1"/>
+            </a:fontRef>
+          </p:style>
+        </p:cxnSp>
+        <p:cxnSp>
+          <p:nvCxnSpPr>
+            <p:cNvPr id="27" name="Straight Connector 26">
+              <a:extLst>
+                <a:ext uri="{FF2B5EF4-FFF2-40B4-BE49-F238E27FC236}">
+                  <a16:creationId xmlns:a16="http://schemas.microsoft.com/office/drawing/2014/main" id="{BD1F4372-C7F1-2A24-37CE-594E0B91E620}"/>
+                </a:ext>
+              </a:extLst>
+            </p:cNvPr>
+            <p:cNvCxnSpPr>
+              <a:stCxn id="6" idx="3"/>
+              <a:endCxn id="10" idx="0"/>
+            </p:cNvCxnSpPr>
+            <p:nvPr/>
+          </p:nvCxnSpPr>
+          <p:spPr>
+            <a:xfrm flipH="1">
+              <a:off x="4282524" y="2728334"/>
+              <a:ext cx="101143" cy="202823"/>
+            </a:xfrm>
+            <a:prstGeom prst="line">
+              <a:avLst/>
+            </a:prstGeom>
+          </p:spPr>
+          <p:style>
+            <a:lnRef idx="2">
+              <a:schemeClr val="dk1"/>
+            </a:lnRef>
+            <a:fillRef idx="0">
+              <a:schemeClr val="dk1"/>
+            </a:fillRef>
+            <a:effectRef idx="1">
+              <a:schemeClr val="dk1"/>
+            </a:effectRef>
+            <a:fontRef idx="minor">
+              <a:schemeClr val="tx1"/>
+            </a:fontRef>
+          </p:style>
+        </p:cxnSp>
+        <p:cxnSp>
+          <p:nvCxnSpPr>
+            <p:cNvPr id="29" name="Straight Connector 28">
+              <a:extLst>
+                <a:ext uri="{FF2B5EF4-FFF2-40B4-BE49-F238E27FC236}">
+                  <a16:creationId xmlns:a16="http://schemas.microsoft.com/office/drawing/2014/main" id="{5A28CFD0-C780-3B2B-719E-4F469CCE7A4C}"/>
+                </a:ext>
+              </a:extLst>
+            </p:cNvPr>
+            <p:cNvCxnSpPr>
+              <a:stCxn id="6" idx="5"/>
+              <a:endCxn id="11" idx="0"/>
+            </p:cNvCxnSpPr>
+            <p:nvPr/>
+          </p:nvCxnSpPr>
+          <p:spPr>
+            <a:xfrm>
+              <a:off x="4817613" y="2728334"/>
+              <a:ext cx="89873" cy="202823"/>
+            </a:xfrm>
+            <a:prstGeom prst="line">
+              <a:avLst/>
+            </a:prstGeom>
+          </p:spPr>
+          <p:style>
+            <a:lnRef idx="2">
+              <a:schemeClr val="dk1"/>
+            </a:lnRef>
+            <a:fillRef idx="0">
+              <a:schemeClr val="dk1"/>
+            </a:fillRef>
+            <a:effectRef idx="1">
+              <a:schemeClr val="dk1"/>
+            </a:effectRef>
+            <a:fontRef idx="minor">
+              <a:schemeClr val="tx1"/>
+            </a:fontRef>
+          </p:style>
+        </p:cxnSp>
+        <p:cxnSp>
+          <p:nvCxnSpPr>
+            <p:cNvPr id="31" name="Straight Connector 30">
+              <a:extLst>
+                <a:ext uri="{FF2B5EF4-FFF2-40B4-BE49-F238E27FC236}">
+                  <a16:creationId xmlns:a16="http://schemas.microsoft.com/office/drawing/2014/main" id="{C8F73FF8-2DCF-7C36-2269-6FBEA46E047B}"/>
+                </a:ext>
+              </a:extLst>
+            </p:cNvPr>
+            <p:cNvCxnSpPr>
+              <a:stCxn id="7" idx="3"/>
+              <a:endCxn id="12" idx="0"/>
+            </p:cNvCxnSpPr>
+            <p:nvPr/>
+          </p:nvCxnSpPr>
+          <p:spPr>
+            <a:xfrm flipH="1">
+              <a:off x="5799380" y="2728334"/>
+              <a:ext cx="89873" cy="202823"/>
+            </a:xfrm>
+            <a:prstGeom prst="line">
+              <a:avLst/>
+            </a:prstGeom>
+          </p:spPr>
+          <p:style>
+            <a:lnRef idx="2">
+              <a:schemeClr val="dk1"/>
+            </a:lnRef>
+            <a:fillRef idx="0">
+              <a:schemeClr val="dk1"/>
+            </a:fillRef>
+            <a:effectRef idx="1">
+              <a:schemeClr val="dk1"/>
+            </a:effectRef>
+            <a:fontRef idx="minor">
+              <a:schemeClr val="tx1"/>
+            </a:fontRef>
+          </p:style>
+        </p:cxnSp>
+        <p:cxnSp>
+          <p:nvCxnSpPr>
+            <p:cNvPr id="33" name="Straight Connector 32">
+              <a:extLst>
+                <a:ext uri="{FF2B5EF4-FFF2-40B4-BE49-F238E27FC236}">
+                  <a16:creationId xmlns:a16="http://schemas.microsoft.com/office/drawing/2014/main" id="{83E352FB-5455-3CA8-D45B-F416C80DBCF9}"/>
+                </a:ext>
+              </a:extLst>
+            </p:cNvPr>
+            <p:cNvCxnSpPr>
+              <a:stCxn id="7" idx="5"/>
+              <a:endCxn id="13" idx="0"/>
+            </p:cNvCxnSpPr>
+            <p:nvPr/>
+          </p:nvCxnSpPr>
+          <p:spPr>
+            <a:xfrm>
+              <a:off x="6323199" y="2728334"/>
+              <a:ext cx="94467" cy="202823"/>
+            </a:xfrm>
+            <a:prstGeom prst="line">
+              <a:avLst/>
+            </a:prstGeom>
+          </p:spPr>
+          <p:style>
+            <a:lnRef idx="2">
+              <a:schemeClr val="dk1"/>
+            </a:lnRef>
+            <a:fillRef idx="0">
+              <a:schemeClr val="dk1"/>
+            </a:fillRef>
+            <a:effectRef idx="1">
+              <a:schemeClr val="dk1"/>
+            </a:effectRef>
+            <a:fontRef idx="minor">
+              <a:schemeClr val="tx1"/>
+            </a:fontRef>
+          </p:style>
+        </p:cxnSp>
+        <p:cxnSp>
+          <p:nvCxnSpPr>
+            <p:cNvPr id="35" name="Straight Connector 34">
+              <a:extLst>
+                <a:ext uri="{FF2B5EF4-FFF2-40B4-BE49-F238E27FC236}">
+                  <a16:creationId xmlns:a16="http://schemas.microsoft.com/office/drawing/2014/main" id="{5DC5D10F-BE11-C179-E07C-18D3A8F7206B}"/>
+                </a:ext>
+              </a:extLst>
+            </p:cNvPr>
+            <p:cNvCxnSpPr>
+              <a:stCxn id="5" idx="3"/>
+              <a:endCxn id="8" idx="0"/>
+            </p:cNvCxnSpPr>
+            <p:nvPr/>
+          </p:nvCxnSpPr>
+          <p:spPr>
+            <a:xfrm flipH="1">
+              <a:off x="7652734" y="1997274"/>
+              <a:ext cx="494906" cy="207241"/>
+            </a:xfrm>
+            <a:prstGeom prst="line">
+              <a:avLst/>
+            </a:prstGeom>
+          </p:spPr>
+          <p:style>
+            <a:lnRef idx="2">
+              <a:schemeClr val="dk1"/>
+            </a:lnRef>
+            <a:fillRef idx="0">
+              <a:schemeClr val="dk1"/>
+            </a:fillRef>
+            <a:effectRef idx="1">
+              <a:schemeClr val="dk1"/>
+            </a:effectRef>
+            <a:fontRef idx="minor">
+              <a:schemeClr val="tx1"/>
+            </a:fontRef>
+          </p:style>
+        </p:cxnSp>
+        <p:cxnSp>
+          <p:nvCxnSpPr>
+            <p:cNvPr id="37" name="Straight Connector 36">
+              <a:extLst>
+                <a:ext uri="{FF2B5EF4-FFF2-40B4-BE49-F238E27FC236}">
+                  <a16:creationId xmlns:a16="http://schemas.microsoft.com/office/drawing/2014/main" id="{2D137F8B-579A-7BE7-5604-FF8837617FF9}"/>
+                </a:ext>
+              </a:extLst>
+            </p:cNvPr>
+            <p:cNvCxnSpPr>
+              <a:stCxn id="5" idx="5"/>
+              <a:endCxn id="9" idx="0"/>
+            </p:cNvCxnSpPr>
+            <p:nvPr/>
+          </p:nvCxnSpPr>
+          <p:spPr>
+            <a:xfrm>
+              <a:off x="8581586" y="1997274"/>
+              <a:ext cx="530706" cy="207241"/>
+            </a:xfrm>
+            <a:prstGeom prst="line">
+              <a:avLst/>
+            </a:prstGeom>
+          </p:spPr>
+          <p:style>
+            <a:lnRef idx="2">
+              <a:schemeClr val="dk1"/>
+            </a:lnRef>
+            <a:fillRef idx="0">
+              <a:schemeClr val="dk1"/>
+            </a:fillRef>
+            <a:effectRef idx="1">
+              <a:schemeClr val="dk1"/>
+            </a:effectRef>
+            <a:fontRef idx="minor">
+              <a:schemeClr val="tx1"/>
+            </a:fontRef>
+          </p:style>
+        </p:cxnSp>
+        <p:cxnSp>
+          <p:nvCxnSpPr>
+            <p:cNvPr id="39" name="Straight Connector 38">
+              <a:extLst>
+                <a:ext uri="{FF2B5EF4-FFF2-40B4-BE49-F238E27FC236}">
+                  <a16:creationId xmlns:a16="http://schemas.microsoft.com/office/drawing/2014/main" id="{3722BB10-490E-5E6A-2115-11506E41DE77}"/>
+                </a:ext>
+              </a:extLst>
+            </p:cNvPr>
+            <p:cNvCxnSpPr>
+              <a:stCxn id="8" idx="3"/>
+              <a:endCxn id="14" idx="0"/>
+            </p:cNvCxnSpPr>
+            <p:nvPr/>
+          </p:nvCxnSpPr>
+          <p:spPr>
+            <a:xfrm flipH="1">
+              <a:off x="7345888" y="2728334"/>
+              <a:ext cx="89873" cy="202823"/>
+            </a:xfrm>
+            <a:prstGeom prst="line">
+              <a:avLst/>
+            </a:prstGeom>
+          </p:spPr>
+          <p:style>
+            <a:lnRef idx="2">
+              <a:schemeClr val="dk1"/>
+            </a:lnRef>
+            <a:fillRef idx="0">
+              <a:schemeClr val="dk1"/>
+            </a:fillRef>
+            <a:effectRef idx="1">
+              <a:schemeClr val="dk1"/>
+            </a:effectRef>
+            <a:fontRef idx="minor">
+              <a:schemeClr val="tx1"/>
+            </a:fontRef>
+          </p:style>
+        </p:cxnSp>
+        <p:cxnSp>
+          <p:nvCxnSpPr>
+            <p:cNvPr id="41" name="Straight Connector 40">
+              <a:extLst>
+                <a:ext uri="{FF2B5EF4-FFF2-40B4-BE49-F238E27FC236}">
+                  <a16:creationId xmlns:a16="http://schemas.microsoft.com/office/drawing/2014/main" id="{34BCAC3C-226D-A134-5BF1-48763F18298F}"/>
+                </a:ext>
+              </a:extLst>
+            </p:cNvPr>
+            <p:cNvCxnSpPr>
+              <a:stCxn id="8" idx="5"/>
+              <a:endCxn id="15" idx="0"/>
+            </p:cNvCxnSpPr>
+            <p:nvPr/>
+          </p:nvCxnSpPr>
+          <p:spPr>
+            <a:xfrm>
+              <a:off x="7869707" y="2728334"/>
+              <a:ext cx="89873" cy="202823"/>
+            </a:xfrm>
+            <a:prstGeom prst="line">
+              <a:avLst/>
+            </a:prstGeom>
+          </p:spPr>
+          <p:style>
+            <a:lnRef idx="2">
+              <a:schemeClr val="dk1"/>
+            </a:lnRef>
+            <a:fillRef idx="0">
+              <a:schemeClr val="dk1"/>
+            </a:fillRef>
+            <a:effectRef idx="1">
+              <a:schemeClr val="dk1"/>
+            </a:effectRef>
+            <a:fontRef idx="minor">
+              <a:schemeClr val="tx1"/>
+            </a:fontRef>
+          </p:style>
+        </p:cxnSp>
+      </p:grpSp>
+      <p:sp>
+        <p:nvSpPr>
+          <p:cNvPr id="53" name="Rectangle 52">
+            <a:extLst>
+              <a:ext uri="{FF2B5EF4-FFF2-40B4-BE49-F238E27FC236}">
+                <a16:creationId xmlns:a16="http://schemas.microsoft.com/office/drawing/2014/main" id="{2DE2A9D9-8280-F73C-C99C-B9DF5D78BBFA}"/>
+              </a:ext>
+            </a:extLst>
+          </p:cNvPr>
+          <p:cNvSpPr/>
+          <p:nvPr/>
+        </p:nvSpPr>
+        <p:spPr>
+          <a:xfrm>
+            <a:off x="382001" y="598229"/>
+            <a:ext cx="5136615" cy="2152471"/>
+          </a:xfrm>
+          <a:prstGeom prst="rect">
+            <a:avLst/>
+          </a:prstGeom>
+          <a:noFill/>
+          <a:ln>
+            <a:solidFill>
+              <a:srgbClr val="FF0000"/>
+            </a:solidFill>
+          </a:ln>
+        </p:spPr>
+        <p:style>
+          <a:lnRef idx="2">
+            <a:schemeClr val="dk1"/>
+          </a:lnRef>
+          <a:fillRef idx="1">
+            <a:schemeClr val="lt1"/>
+          </a:fillRef>
+          <a:effectRef idx="0">
+            <a:schemeClr val="dk1"/>
+          </a:effectRef>
+          <a:fontRef idx="minor">
+            <a:schemeClr val="dk1"/>
+          </a:fontRef>
+        </p:style>
+        <p:txBody>
+          <a:bodyPr rtlCol="0" anchor="ctr"/>
+          <a:lstStyle/>
+          <a:p>
+            <a:pPr algn="ctr"/>
+            <a:endParaRPr lang="en-US"/>
+          </a:p>
+        </p:txBody>
+      </p:sp>
+      <p:grpSp>
+        <p:nvGrpSpPr>
+          <p:cNvPr id="54" name="Group 53">
+            <a:extLst>
+              <a:ext uri="{FF2B5EF4-FFF2-40B4-BE49-F238E27FC236}">
+                <a16:creationId xmlns:a16="http://schemas.microsoft.com/office/drawing/2014/main" id="{6F8C2E8F-D18D-B2E9-7D8B-E2424B9B3D4E}"/>
+              </a:ext>
+            </a:extLst>
+          </p:cNvPr>
+          <p:cNvGrpSpPr/>
+          <p:nvPr/>
+        </p:nvGrpSpPr>
+        <p:grpSpPr>
+          <a:xfrm>
+            <a:off x="86800" y="3679577"/>
+            <a:ext cx="5443460" cy="2879113"/>
+            <a:chOff x="3975678" y="665736"/>
+            <a:chExt cx="5443460" cy="2879113"/>
+          </a:xfrm>
+        </p:grpSpPr>
+        <p:sp>
+          <p:nvSpPr>
+            <p:cNvPr id="55" name="Oval 54">
+              <a:extLst>
+                <a:ext uri="{FF2B5EF4-FFF2-40B4-BE49-F238E27FC236}">
+                  <a16:creationId xmlns:a16="http://schemas.microsoft.com/office/drawing/2014/main" id="{211EC1E0-0E7B-6759-DC98-DF7BD9D191CF}"/>
+                </a:ext>
+              </a:extLst>
+            </p:cNvPr>
+            <p:cNvSpPr/>
+            <p:nvPr/>
+          </p:nvSpPr>
+          <p:spPr>
+            <a:xfrm>
+              <a:off x="6486714" y="665736"/>
+              <a:ext cx="613692" cy="613692"/>
+            </a:xfrm>
+            <a:prstGeom prst="ellipse">
+              <a:avLst/>
+            </a:prstGeom>
+          </p:spPr>
+          <p:style>
+            <a:lnRef idx="2">
+              <a:schemeClr val="dk1"/>
+            </a:lnRef>
+            <a:fillRef idx="1">
+              <a:schemeClr val="lt1"/>
+            </a:fillRef>
+            <a:effectRef idx="0">
+              <a:schemeClr val="dk1"/>
+            </a:effectRef>
+            <a:fontRef idx="minor">
+              <a:schemeClr val="dk1"/>
+            </a:fontRef>
+          </p:style>
+          <p:txBody>
+            <a:bodyPr rtlCol="0" anchor="ctr"/>
+            <a:lstStyle/>
+            <a:p>
+              <a:pPr algn="ctr"/>
+              <a:r>
+                <a:rPr lang="en-US" dirty="0"/>
+                <a:t>96</a:t>
+              </a:r>
+            </a:p>
+          </p:txBody>
+        </p:sp>
+        <p:sp>
+          <p:nvSpPr>
+            <p:cNvPr id="56" name="Oval 55">
+              <a:extLst>
+                <a:ext uri="{FF2B5EF4-FFF2-40B4-BE49-F238E27FC236}">
+                  <a16:creationId xmlns:a16="http://schemas.microsoft.com/office/drawing/2014/main" id="{DB28CCBE-9E55-BA49-1D22-DB1703900634}"/>
+                </a:ext>
+              </a:extLst>
+            </p:cNvPr>
+            <p:cNvSpPr/>
+            <p:nvPr/>
+          </p:nvSpPr>
+          <p:spPr>
+            <a:xfrm>
+              <a:off x="5075225" y="1473455"/>
+              <a:ext cx="613692" cy="613692"/>
+            </a:xfrm>
+            <a:prstGeom prst="ellipse">
+              <a:avLst/>
+            </a:prstGeom>
+          </p:spPr>
+          <p:style>
+            <a:lnRef idx="2">
+              <a:schemeClr val="dk1"/>
+            </a:lnRef>
+            <a:fillRef idx="1">
+              <a:schemeClr val="lt1"/>
+            </a:fillRef>
+            <a:effectRef idx="0">
+              <a:schemeClr val="dk1"/>
+            </a:effectRef>
+            <a:fontRef idx="minor">
+              <a:schemeClr val="dk1"/>
+            </a:fontRef>
+          </p:style>
+          <p:txBody>
+            <a:bodyPr rtlCol="0" anchor="ctr"/>
+            <a:lstStyle/>
+            <a:p>
+              <a:pPr algn="ctr"/>
+              <a:r>
+                <a:rPr lang="en-US" dirty="0"/>
+                <a:t>95</a:t>
+              </a:r>
+            </a:p>
+          </p:txBody>
+        </p:sp>
+        <p:sp>
+          <p:nvSpPr>
+            <p:cNvPr id="57" name="Oval 56">
+              <a:extLst>
+                <a:ext uri="{FF2B5EF4-FFF2-40B4-BE49-F238E27FC236}">
+                  <a16:creationId xmlns:a16="http://schemas.microsoft.com/office/drawing/2014/main" id="{6494FFA6-F7F1-3006-36C0-E32735F47896}"/>
+                </a:ext>
+              </a:extLst>
+            </p:cNvPr>
+            <p:cNvSpPr/>
+            <p:nvPr/>
+          </p:nvSpPr>
+          <p:spPr>
+            <a:xfrm>
+              <a:off x="8057767" y="1473455"/>
+              <a:ext cx="613692" cy="613692"/>
+            </a:xfrm>
+            <a:prstGeom prst="ellipse">
+              <a:avLst/>
+            </a:prstGeom>
+          </p:spPr>
+          <p:style>
+            <a:lnRef idx="2">
+              <a:schemeClr val="dk1"/>
+            </a:lnRef>
+            <a:fillRef idx="1">
+              <a:schemeClr val="lt1"/>
+            </a:fillRef>
+            <a:effectRef idx="0">
+              <a:schemeClr val="dk1"/>
+            </a:effectRef>
+            <a:fontRef idx="minor">
+              <a:schemeClr val="dk1"/>
+            </a:fontRef>
+          </p:style>
+          <p:txBody>
+            <a:bodyPr rtlCol="0" anchor="ctr"/>
+            <a:lstStyle/>
+            <a:p>
+              <a:pPr algn="ctr"/>
+              <a:r>
+                <a:rPr lang="en-US" dirty="0"/>
+                <a:t>75</a:t>
+              </a:r>
+            </a:p>
+          </p:txBody>
+        </p:sp>
+        <p:sp>
+          <p:nvSpPr>
+            <p:cNvPr id="58" name="Oval 57">
+              <a:extLst>
+                <a:ext uri="{FF2B5EF4-FFF2-40B4-BE49-F238E27FC236}">
+                  <a16:creationId xmlns:a16="http://schemas.microsoft.com/office/drawing/2014/main" id="{F24056DA-A45B-853B-5E77-C9A819148A0A}"/>
+                </a:ext>
+              </a:extLst>
+            </p:cNvPr>
+            <p:cNvSpPr/>
+            <p:nvPr/>
+          </p:nvSpPr>
+          <p:spPr>
+            <a:xfrm>
+              <a:off x="4293794" y="2204515"/>
+              <a:ext cx="613692" cy="613692"/>
+            </a:xfrm>
+            <a:prstGeom prst="ellipse">
+              <a:avLst/>
+            </a:prstGeom>
+          </p:spPr>
+          <p:style>
+            <a:lnRef idx="2">
+              <a:schemeClr val="dk1"/>
+            </a:lnRef>
+            <a:fillRef idx="1">
+              <a:schemeClr val="lt1"/>
+            </a:fillRef>
+            <a:effectRef idx="0">
+              <a:schemeClr val="dk1"/>
+            </a:effectRef>
+            <a:fontRef idx="minor">
+              <a:schemeClr val="dk1"/>
+            </a:fontRef>
+          </p:style>
+          <p:txBody>
+            <a:bodyPr rtlCol="0" anchor="ctr"/>
+            <a:lstStyle/>
+            <a:p>
+              <a:pPr algn="ctr"/>
+              <a:r>
+                <a:rPr lang="en-US" dirty="0"/>
+                <a:t>94</a:t>
+              </a:r>
+            </a:p>
+          </p:txBody>
+        </p:sp>
+        <p:sp>
+          <p:nvSpPr>
+            <p:cNvPr id="59" name="Oval 58">
+              <a:extLst>
+                <a:ext uri="{FF2B5EF4-FFF2-40B4-BE49-F238E27FC236}">
+                  <a16:creationId xmlns:a16="http://schemas.microsoft.com/office/drawing/2014/main" id="{3CCDD47A-5DA8-E4CF-22E7-B46E248E0A31}"/>
+                </a:ext>
+              </a:extLst>
+            </p:cNvPr>
+            <p:cNvSpPr/>
+            <p:nvPr/>
+          </p:nvSpPr>
+          <p:spPr>
+            <a:xfrm>
+              <a:off x="5799380" y="2204515"/>
+              <a:ext cx="613692" cy="613692"/>
+            </a:xfrm>
+            <a:prstGeom prst="ellipse">
+              <a:avLst/>
+            </a:prstGeom>
+          </p:spPr>
+          <p:style>
+            <a:lnRef idx="2">
+              <a:schemeClr val="dk1"/>
+            </a:lnRef>
+            <a:fillRef idx="1">
+              <a:schemeClr val="lt1"/>
+            </a:fillRef>
+            <a:effectRef idx="0">
+              <a:schemeClr val="dk1"/>
+            </a:effectRef>
+            <a:fontRef idx="minor">
+              <a:schemeClr val="dk1"/>
+            </a:fontRef>
+          </p:style>
+          <p:txBody>
+            <a:bodyPr rtlCol="0" anchor="ctr"/>
+            <a:lstStyle/>
+            <a:p>
+              <a:pPr algn="ctr"/>
+              <a:r>
+                <a:rPr lang="en-US" dirty="0"/>
+                <a:t>58</a:t>
+              </a:r>
+            </a:p>
+          </p:txBody>
+        </p:sp>
+        <p:sp>
+          <p:nvSpPr>
+            <p:cNvPr id="60" name="Oval 59">
+              <a:extLst>
+                <a:ext uri="{FF2B5EF4-FFF2-40B4-BE49-F238E27FC236}">
+                  <a16:creationId xmlns:a16="http://schemas.microsoft.com/office/drawing/2014/main" id="{007F3F4A-A3AD-66A8-45B9-94FE5EAFC6F2}"/>
+                </a:ext>
+              </a:extLst>
+            </p:cNvPr>
+            <p:cNvSpPr/>
+            <p:nvPr/>
+          </p:nvSpPr>
+          <p:spPr>
+            <a:xfrm>
+              <a:off x="7345888" y="2204515"/>
+              <a:ext cx="613692" cy="613692"/>
+            </a:xfrm>
+            <a:prstGeom prst="ellipse">
+              <a:avLst/>
+            </a:prstGeom>
+          </p:spPr>
+          <p:style>
+            <a:lnRef idx="2">
+              <a:schemeClr val="dk1"/>
+            </a:lnRef>
+            <a:fillRef idx="1">
+              <a:schemeClr val="lt1"/>
+            </a:fillRef>
+            <a:effectRef idx="0">
+              <a:schemeClr val="dk1"/>
+            </a:effectRef>
+            <a:fontRef idx="minor">
+              <a:schemeClr val="dk1"/>
+            </a:fontRef>
+          </p:style>
+          <p:txBody>
+            <a:bodyPr rtlCol="0" anchor="ctr"/>
+            <a:lstStyle/>
+            <a:p>
+              <a:pPr algn="ctr"/>
+              <a:r>
+                <a:rPr lang="en-US" dirty="0"/>
+                <a:t>35</a:t>
+              </a:r>
+            </a:p>
+          </p:txBody>
+        </p:sp>
+        <p:sp>
+          <p:nvSpPr>
+            <p:cNvPr id="61" name="Oval 60">
+              <a:extLst>
+                <a:ext uri="{FF2B5EF4-FFF2-40B4-BE49-F238E27FC236}">
+                  <a16:creationId xmlns:a16="http://schemas.microsoft.com/office/drawing/2014/main" id="{48C57449-B57B-CA1A-AE5B-ADE2F61D3BDE}"/>
+                </a:ext>
+              </a:extLst>
+            </p:cNvPr>
+            <p:cNvSpPr/>
+            <p:nvPr/>
+          </p:nvSpPr>
+          <p:spPr>
+            <a:xfrm>
+              <a:off x="8805446" y="2204515"/>
+              <a:ext cx="613692" cy="613692"/>
+            </a:xfrm>
+            <a:prstGeom prst="ellipse">
+              <a:avLst/>
+            </a:prstGeom>
+          </p:spPr>
+          <p:style>
+            <a:lnRef idx="2">
+              <a:schemeClr val="dk1"/>
+            </a:lnRef>
+            <a:fillRef idx="1">
+              <a:schemeClr val="lt1"/>
+            </a:fillRef>
+            <a:effectRef idx="0">
+              <a:schemeClr val="dk1"/>
+            </a:effectRef>
+            <a:fontRef idx="minor">
+              <a:schemeClr val="dk1"/>
+            </a:fontRef>
+          </p:style>
+          <p:txBody>
+            <a:bodyPr rtlCol="0" anchor="ctr"/>
+            <a:lstStyle/>
+            <a:p>
+              <a:pPr algn="ctr"/>
+              <a:r>
+                <a:rPr lang="en-US" dirty="0"/>
+                <a:t>17</a:t>
+              </a:r>
+            </a:p>
+          </p:txBody>
+        </p:sp>
+        <p:sp>
+          <p:nvSpPr>
+            <p:cNvPr id="62" name="Oval 61">
+              <a:extLst>
+                <a:ext uri="{FF2B5EF4-FFF2-40B4-BE49-F238E27FC236}">
+                  <a16:creationId xmlns:a16="http://schemas.microsoft.com/office/drawing/2014/main" id="{22178759-FB99-69BE-BD9C-1D0B906F4471}"/>
+                </a:ext>
+              </a:extLst>
+            </p:cNvPr>
+            <p:cNvSpPr/>
+            <p:nvPr/>
+          </p:nvSpPr>
+          <p:spPr>
+            <a:xfrm>
+              <a:off x="3975678" y="2931157"/>
+              <a:ext cx="613692" cy="613692"/>
+            </a:xfrm>
+            <a:prstGeom prst="ellipse">
+              <a:avLst/>
+            </a:prstGeom>
+          </p:spPr>
+          <p:style>
+            <a:lnRef idx="2">
+              <a:schemeClr val="dk1"/>
+            </a:lnRef>
+            <a:fillRef idx="1">
+              <a:schemeClr val="lt1"/>
+            </a:fillRef>
+            <a:effectRef idx="0">
+              <a:schemeClr val="dk1"/>
+            </a:effectRef>
+            <a:fontRef idx="minor">
+              <a:schemeClr val="dk1"/>
+            </a:fontRef>
+          </p:style>
+          <p:txBody>
+            <a:bodyPr rtlCol="0" anchor="ctr"/>
+            <a:lstStyle/>
+            <a:p>
+              <a:pPr algn="ctr"/>
+              <a:r>
+                <a:rPr lang="en-US" dirty="0"/>
+                <a:t>81</a:t>
+              </a:r>
+            </a:p>
+          </p:txBody>
+        </p:sp>
+        <p:sp>
+          <p:nvSpPr>
+            <p:cNvPr id="63" name="Oval 62">
+              <a:extLst>
+                <a:ext uri="{FF2B5EF4-FFF2-40B4-BE49-F238E27FC236}">
+                  <a16:creationId xmlns:a16="http://schemas.microsoft.com/office/drawing/2014/main" id="{BDCB40DF-4EAF-BB7C-9FA4-544B58E01CD1}"/>
+                </a:ext>
+              </a:extLst>
+            </p:cNvPr>
+            <p:cNvSpPr/>
+            <p:nvPr/>
+          </p:nvSpPr>
+          <p:spPr>
+            <a:xfrm>
+              <a:off x="4600640" y="2931157"/>
+              <a:ext cx="613692" cy="613692"/>
+            </a:xfrm>
+            <a:prstGeom prst="ellipse">
+              <a:avLst/>
+            </a:prstGeom>
+          </p:spPr>
+          <p:style>
+            <a:lnRef idx="2">
+              <a:schemeClr val="dk1"/>
+            </a:lnRef>
+            <a:fillRef idx="1">
+              <a:schemeClr val="lt1"/>
+            </a:fillRef>
+            <a:effectRef idx="0">
+              <a:schemeClr val="dk1"/>
+            </a:effectRef>
+            <a:fontRef idx="minor">
+              <a:schemeClr val="dk1"/>
+            </a:fontRef>
+          </p:style>
+          <p:txBody>
+            <a:bodyPr rtlCol="0" anchor="ctr"/>
+            <a:lstStyle/>
+            <a:p>
+              <a:pPr algn="ctr"/>
+              <a:r>
+                <a:rPr lang="en-US" dirty="0"/>
+                <a:t>28</a:t>
+              </a:r>
+            </a:p>
+          </p:txBody>
+        </p:sp>
+        <p:sp>
+          <p:nvSpPr>
+            <p:cNvPr id="64" name="Oval 63">
+              <a:extLst>
+                <a:ext uri="{FF2B5EF4-FFF2-40B4-BE49-F238E27FC236}">
+                  <a16:creationId xmlns:a16="http://schemas.microsoft.com/office/drawing/2014/main" id="{83F63C60-D60E-7F69-902B-95260F2115DD}"/>
+                </a:ext>
+              </a:extLst>
+            </p:cNvPr>
+            <p:cNvSpPr/>
+            <p:nvPr/>
+          </p:nvSpPr>
+          <p:spPr>
+            <a:xfrm>
+              <a:off x="5492534" y="2931157"/>
+              <a:ext cx="613692" cy="613692"/>
+            </a:xfrm>
+            <a:prstGeom prst="ellipse">
+              <a:avLst/>
+            </a:prstGeom>
+          </p:spPr>
+          <p:style>
+            <a:lnRef idx="2">
+              <a:schemeClr val="dk1"/>
+            </a:lnRef>
+            <a:fillRef idx="1">
+              <a:schemeClr val="lt1"/>
+            </a:fillRef>
+            <a:effectRef idx="0">
+              <a:schemeClr val="dk1"/>
+            </a:effectRef>
+            <a:fontRef idx="minor">
+              <a:schemeClr val="dk1"/>
+            </a:fontRef>
+          </p:style>
+          <p:txBody>
+            <a:bodyPr rtlCol="0" anchor="ctr"/>
+            <a:lstStyle/>
+            <a:p>
+              <a:pPr algn="ctr"/>
+              <a:r>
+                <a:rPr lang="en-US" dirty="0"/>
+                <a:t>12</a:t>
+              </a:r>
+            </a:p>
+          </p:txBody>
+        </p:sp>
+        <p:sp>
+          <p:nvSpPr>
+            <p:cNvPr id="65" name="Oval 64">
+              <a:extLst>
+                <a:ext uri="{FF2B5EF4-FFF2-40B4-BE49-F238E27FC236}">
+                  <a16:creationId xmlns:a16="http://schemas.microsoft.com/office/drawing/2014/main" id="{47B9CB87-1C76-FA56-95D2-7B7DC55ADE80}"/>
+                </a:ext>
+              </a:extLst>
+            </p:cNvPr>
+            <p:cNvSpPr/>
+            <p:nvPr/>
+          </p:nvSpPr>
+          <p:spPr>
+            <a:xfrm>
+              <a:off x="6110820" y="2931157"/>
+              <a:ext cx="613692" cy="613692"/>
+            </a:xfrm>
+            <a:prstGeom prst="ellipse">
+              <a:avLst/>
+            </a:prstGeom>
+          </p:spPr>
+          <p:style>
+            <a:lnRef idx="2">
+              <a:schemeClr val="dk1"/>
+            </a:lnRef>
+            <a:fillRef idx="1">
+              <a:schemeClr val="lt1"/>
+            </a:fillRef>
+            <a:effectRef idx="0">
+              <a:schemeClr val="dk1"/>
+            </a:effectRef>
+            <a:fontRef idx="minor">
+              <a:schemeClr val="dk1"/>
+            </a:fontRef>
+          </p:style>
+          <p:txBody>
+            <a:bodyPr rtlCol="0" anchor="ctr"/>
+            <a:lstStyle/>
+            <a:p>
+              <a:pPr algn="ctr"/>
+              <a:r>
+                <a:rPr lang="en-US" dirty="0"/>
+                <a:t>41</a:t>
+              </a:r>
+            </a:p>
+          </p:txBody>
+        </p:sp>
+        <p:sp>
+          <p:nvSpPr>
+            <p:cNvPr id="66" name="Oval 65">
+              <a:extLst>
+                <a:ext uri="{FF2B5EF4-FFF2-40B4-BE49-F238E27FC236}">
+                  <a16:creationId xmlns:a16="http://schemas.microsoft.com/office/drawing/2014/main" id="{3D7F6D92-0919-C577-FDDB-3D06EB31C29A}"/>
+                </a:ext>
+              </a:extLst>
+            </p:cNvPr>
+            <p:cNvSpPr/>
+            <p:nvPr/>
+          </p:nvSpPr>
+          <p:spPr>
+            <a:xfrm>
+              <a:off x="7039042" y="2931157"/>
+              <a:ext cx="613692" cy="613692"/>
+            </a:xfrm>
+            <a:prstGeom prst="ellipse">
+              <a:avLst/>
+            </a:prstGeom>
+          </p:spPr>
+          <p:style>
+            <a:lnRef idx="2">
+              <a:schemeClr val="dk1"/>
+            </a:lnRef>
+            <a:fillRef idx="1">
+              <a:schemeClr val="lt1"/>
+            </a:fillRef>
+            <a:effectRef idx="0">
+              <a:schemeClr val="dk1"/>
+            </a:effectRef>
+            <a:fontRef idx="minor">
+              <a:schemeClr val="dk1"/>
+            </a:fontRef>
+          </p:style>
+          <p:txBody>
+            <a:bodyPr rtlCol="0" anchor="ctr"/>
+            <a:lstStyle/>
+            <a:p>
+              <a:pPr algn="ctr"/>
+              <a:r>
+                <a:rPr lang="en-US" dirty="0"/>
+                <a:t>11</a:t>
+              </a:r>
+            </a:p>
+          </p:txBody>
+        </p:sp>
+        <p:sp>
+          <p:nvSpPr>
+            <p:cNvPr id="67" name="Oval 66">
+              <a:extLst>
+                <a:ext uri="{FF2B5EF4-FFF2-40B4-BE49-F238E27FC236}">
+                  <a16:creationId xmlns:a16="http://schemas.microsoft.com/office/drawing/2014/main" id="{759AF396-B824-EB26-8DF8-417163ACD22B}"/>
+                </a:ext>
+              </a:extLst>
+            </p:cNvPr>
+            <p:cNvSpPr/>
+            <p:nvPr/>
+          </p:nvSpPr>
+          <p:spPr>
+            <a:xfrm>
+              <a:off x="7652734" y="2931157"/>
+              <a:ext cx="613692" cy="613692"/>
+            </a:xfrm>
+            <a:prstGeom prst="ellipse">
+              <a:avLst/>
+            </a:prstGeom>
+          </p:spPr>
+          <p:style>
+            <a:lnRef idx="2">
+              <a:schemeClr val="dk1"/>
+            </a:lnRef>
+            <a:fillRef idx="1">
+              <a:schemeClr val="lt1"/>
+            </a:fillRef>
+            <a:effectRef idx="0">
+              <a:schemeClr val="dk1"/>
+            </a:effectRef>
+            <a:fontRef idx="minor">
+              <a:schemeClr val="dk1"/>
+            </a:fontRef>
+          </p:style>
+          <p:txBody>
+            <a:bodyPr rtlCol="0" anchor="ctr"/>
+            <a:lstStyle/>
+            <a:p>
+              <a:pPr algn="ctr"/>
+              <a:r>
+                <a:rPr lang="en-US" dirty="0"/>
+                <a:t>15</a:t>
+              </a:r>
+            </a:p>
+          </p:txBody>
+        </p:sp>
+        <p:cxnSp>
+          <p:nvCxnSpPr>
+            <p:cNvPr id="68" name="Straight Connector 67">
+              <a:extLst>
+                <a:ext uri="{FF2B5EF4-FFF2-40B4-BE49-F238E27FC236}">
+                  <a16:creationId xmlns:a16="http://schemas.microsoft.com/office/drawing/2014/main" id="{1EA654B4-5F7B-567A-A763-DD64CC12AC94}"/>
+                </a:ext>
+              </a:extLst>
+            </p:cNvPr>
+            <p:cNvCxnSpPr>
+              <a:cxnSpLocks/>
+              <a:stCxn id="55" idx="3"/>
+              <a:endCxn id="56" idx="0"/>
+            </p:cNvCxnSpPr>
+            <p:nvPr/>
+          </p:nvCxnSpPr>
+          <p:spPr>
+            <a:xfrm flipH="1">
+              <a:off x="5382071" y="1189555"/>
+              <a:ext cx="1194516" cy="283900"/>
+            </a:xfrm>
+            <a:prstGeom prst="line">
+              <a:avLst/>
+            </a:prstGeom>
+          </p:spPr>
+          <p:style>
+            <a:lnRef idx="2">
+              <a:schemeClr val="dk1"/>
+            </a:lnRef>
+            <a:fillRef idx="0">
+              <a:schemeClr val="dk1"/>
+            </a:fillRef>
+            <a:effectRef idx="1">
+              <a:schemeClr val="dk1"/>
+            </a:effectRef>
+            <a:fontRef idx="minor">
+              <a:schemeClr val="tx1"/>
+            </a:fontRef>
+          </p:style>
+        </p:cxnSp>
+        <p:cxnSp>
+          <p:nvCxnSpPr>
+            <p:cNvPr id="69" name="Straight Connector 68">
+              <a:extLst>
+                <a:ext uri="{FF2B5EF4-FFF2-40B4-BE49-F238E27FC236}">
+                  <a16:creationId xmlns:a16="http://schemas.microsoft.com/office/drawing/2014/main" id="{A398FE26-BB66-354F-9A4D-3E25686B9703}"/>
+                </a:ext>
+              </a:extLst>
+            </p:cNvPr>
+            <p:cNvCxnSpPr>
+              <a:cxnSpLocks/>
+              <a:stCxn id="55" idx="5"/>
+              <a:endCxn id="57" idx="0"/>
+            </p:cNvCxnSpPr>
+            <p:nvPr/>
+          </p:nvCxnSpPr>
+          <p:spPr>
+            <a:xfrm>
+              <a:off x="7010533" y="1189555"/>
+              <a:ext cx="1354080" cy="283900"/>
+            </a:xfrm>
+            <a:prstGeom prst="line">
+              <a:avLst/>
+            </a:prstGeom>
+          </p:spPr>
+          <p:style>
+            <a:lnRef idx="2">
+              <a:schemeClr val="dk1"/>
+            </a:lnRef>
+            <a:fillRef idx="0">
+              <a:schemeClr val="dk1"/>
+            </a:fillRef>
+            <a:effectRef idx="1">
+              <a:schemeClr val="dk1"/>
+            </a:effectRef>
+            <a:fontRef idx="minor">
+              <a:schemeClr val="tx1"/>
+            </a:fontRef>
+          </p:style>
+        </p:cxnSp>
+        <p:cxnSp>
+          <p:nvCxnSpPr>
+            <p:cNvPr id="70" name="Straight Connector 69">
+              <a:extLst>
+                <a:ext uri="{FF2B5EF4-FFF2-40B4-BE49-F238E27FC236}">
+                  <a16:creationId xmlns:a16="http://schemas.microsoft.com/office/drawing/2014/main" id="{2C8AFE7D-DF10-DC1A-10CA-5E1E9B17A68E}"/>
+                </a:ext>
+              </a:extLst>
+            </p:cNvPr>
+            <p:cNvCxnSpPr>
+              <a:stCxn id="56" idx="3"/>
+              <a:endCxn id="58" idx="0"/>
+            </p:cNvCxnSpPr>
+            <p:nvPr/>
+          </p:nvCxnSpPr>
+          <p:spPr>
+            <a:xfrm flipH="1">
+              <a:off x="4600640" y="1997274"/>
+              <a:ext cx="564458" cy="207241"/>
+            </a:xfrm>
+            <a:prstGeom prst="line">
+              <a:avLst/>
+            </a:prstGeom>
+          </p:spPr>
+          <p:style>
+            <a:lnRef idx="2">
+              <a:schemeClr val="dk1"/>
+            </a:lnRef>
+            <a:fillRef idx="0">
+              <a:schemeClr val="dk1"/>
+            </a:fillRef>
+            <a:effectRef idx="1">
+              <a:schemeClr val="dk1"/>
+            </a:effectRef>
+            <a:fontRef idx="minor">
+              <a:schemeClr val="tx1"/>
+            </a:fontRef>
+          </p:style>
+        </p:cxnSp>
+        <p:cxnSp>
+          <p:nvCxnSpPr>
+            <p:cNvPr id="71" name="Straight Connector 70">
+              <a:extLst>
+                <a:ext uri="{FF2B5EF4-FFF2-40B4-BE49-F238E27FC236}">
+                  <a16:creationId xmlns:a16="http://schemas.microsoft.com/office/drawing/2014/main" id="{8F99DB17-AB1E-7AD8-4B0A-6A8D1C6F6B97}"/>
+                </a:ext>
+              </a:extLst>
+            </p:cNvPr>
+            <p:cNvCxnSpPr>
+              <a:stCxn id="56" idx="5"/>
+              <a:endCxn id="59" idx="0"/>
+            </p:cNvCxnSpPr>
+            <p:nvPr/>
+          </p:nvCxnSpPr>
+          <p:spPr>
+            <a:xfrm>
+              <a:off x="5599044" y="1997274"/>
+              <a:ext cx="507182" cy="207241"/>
+            </a:xfrm>
+            <a:prstGeom prst="line">
+              <a:avLst/>
+            </a:prstGeom>
+          </p:spPr>
+          <p:style>
+            <a:lnRef idx="2">
+              <a:schemeClr val="dk1"/>
+            </a:lnRef>
+            <a:fillRef idx="0">
+              <a:schemeClr val="dk1"/>
+            </a:fillRef>
+            <a:effectRef idx="1">
+              <a:schemeClr val="dk1"/>
+            </a:effectRef>
+            <a:fontRef idx="minor">
+              <a:schemeClr val="tx1"/>
+            </a:fontRef>
+          </p:style>
+        </p:cxnSp>
+        <p:cxnSp>
+          <p:nvCxnSpPr>
+            <p:cNvPr id="72" name="Straight Connector 71">
+              <a:extLst>
+                <a:ext uri="{FF2B5EF4-FFF2-40B4-BE49-F238E27FC236}">
+                  <a16:creationId xmlns:a16="http://schemas.microsoft.com/office/drawing/2014/main" id="{28CC5BC1-0A90-00A4-2CD2-53FB2F942A1F}"/>
+                </a:ext>
+              </a:extLst>
+            </p:cNvPr>
+            <p:cNvCxnSpPr>
+              <a:stCxn id="58" idx="3"/>
+              <a:endCxn id="62" idx="0"/>
+            </p:cNvCxnSpPr>
+            <p:nvPr/>
+          </p:nvCxnSpPr>
+          <p:spPr>
+            <a:xfrm flipH="1">
+              <a:off x="4282524" y="2728334"/>
+              <a:ext cx="101143" cy="202823"/>
+            </a:xfrm>
+            <a:prstGeom prst="line">
+              <a:avLst/>
+            </a:prstGeom>
+          </p:spPr>
+          <p:style>
+            <a:lnRef idx="2">
+              <a:schemeClr val="dk1"/>
+            </a:lnRef>
+            <a:fillRef idx="0">
+              <a:schemeClr val="dk1"/>
+            </a:fillRef>
+            <a:effectRef idx="1">
+              <a:schemeClr val="dk1"/>
+            </a:effectRef>
+            <a:fontRef idx="minor">
+              <a:schemeClr val="tx1"/>
+            </a:fontRef>
+          </p:style>
+        </p:cxnSp>
+        <p:cxnSp>
+          <p:nvCxnSpPr>
+            <p:cNvPr id="73" name="Straight Connector 72">
+              <a:extLst>
+                <a:ext uri="{FF2B5EF4-FFF2-40B4-BE49-F238E27FC236}">
+                  <a16:creationId xmlns:a16="http://schemas.microsoft.com/office/drawing/2014/main" id="{96E05456-EB52-42DD-E6C8-78CFE3921335}"/>
+                </a:ext>
+              </a:extLst>
+            </p:cNvPr>
+            <p:cNvCxnSpPr>
+              <a:stCxn id="58" idx="5"/>
+              <a:endCxn id="63" idx="0"/>
+            </p:cNvCxnSpPr>
+            <p:nvPr/>
+          </p:nvCxnSpPr>
+          <p:spPr>
+            <a:xfrm>
+              <a:off x="4817613" y="2728334"/>
+              <a:ext cx="89873" cy="202823"/>
+            </a:xfrm>
+            <a:prstGeom prst="line">
+              <a:avLst/>
+            </a:prstGeom>
+          </p:spPr>
+          <p:style>
+            <a:lnRef idx="2">
+              <a:schemeClr val="dk1"/>
+            </a:lnRef>
+            <a:fillRef idx="0">
+              <a:schemeClr val="dk1"/>
+            </a:fillRef>
+            <a:effectRef idx="1">
+              <a:schemeClr val="dk1"/>
+            </a:effectRef>
+            <a:fontRef idx="minor">
+              <a:schemeClr val="tx1"/>
+            </a:fontRef>
+          </p:style>
+        </p:cxnSp>
+        <p:cxnSp>
+          <p:nvCxnSpPr>
+            <p:cNvPr id="74" name="Straight Connector 73">
+              <a:extLst>
+                <a:ext uri="{FF2B5EF4-FFF2-40B4-BE49-F238E27FC236}">
+                  <a16:creationId xmlns:a16="http://schemas.microsoft.com/office/drawing/2014/main" id="{80100E3B-2F96-5E34-1222-611A932506E4}"/>
+                </a:ext>
+              </a:extLst>
+            </p:cNvPr>
+            <p:cNvCxnSpPr>
+              <a:stCxn id="59" idx="3"/>
+              <a:endCxn id="64" idx="0"/>
+            </p:cNvCxnSpPr>
+            <p:nvPr/>
+          </p:nvCxnSpPr>
+          <p:spPr>
+            <a:xfrm flipH="1">
+              <a:off x="5799380" y="2728334"/>
+              <a:ext cx="89873" cy="202823"/>
+            </a:xfrm>
+            <a:prstGeom prst="line">
+              <a:avLst/>
+            </a:prstGeom>
+          </p:spPr>
+          <p:style>
+            <a:lnRef idx="2">
+              <a:schemeClr val="dk1"/>
+            </a:lnRef>
+            <a:fillRef idx="0">
+              <a:schemeClr val="dk1"/>
+            </a:fillRef>
+            <a:effectRef idx="1">
+              <a:schemeClr val="dk1"/>
+            </a:effectRef>
+            <a:fontRef idx="minor">
+              <a:schemeClr val="tx1"/>
+            </a:fontRef>
+          </p:style>
+        </p:cxnSp>
+        <p:cxnSp>
+          <p:nvCxnSpPr>
+            <p:cNvPr id="75" name="Straight Connector 74">
+              <a:extLst>
+                <a:ext uri="{FF2B5EF4-FFF2-40B4-BE49-F238E27FC236}">
+                  <a16:creationId xmlns:a16="http://schemas.microsoft.com/office/drawing/2014/main" id="{803CFC89-ABB5-C531-7BC1-D1C2AAB0CDE6}"/>
+                </a:ext>
+              </a:extLst>
+            </p:cNvPr>
+            <p:cNvCxnSpPr>
+              <a:stCxn id="59" idx="5"/>
+              <a:endCxn id="65" idx="0"/>
+            </p:cNvCxnSpPr>
+            <p:nvPr/>
+          </p:nvCxnSpPr>
+          <p:spPr>
+            <a:xfrm>
+              <a:off x="6323199" y="2728334"/>
+              <a:ext cx="94467" cy="202823"/>
+            </a:xfrm>
+            <a:prstGeom prst="line">
+              <a:avLst/>
+            </a:prstGeom>
+          </p:spPr>
+          <p:style>
+            <a:lnRef idx="2">
+              <a:schemeClr val="dk1"/>
+            </a:lnRef>
+            <a:fillRef idx="0">
+              <a:schemeClr val="dk1"/>
+            </a:fillRef>
+            <a:effectRef idx="1">
+              <a:schemeClr val="dk1"/>
+            </a:effectRef>
+            <a:fontRef idx="minor">
+              <a:schemeClr val="tx1"/>
+            </a:fontRef>
+          </p:style>
+        </p:cxnSp>
+        <p:cxnSp>
+          <p:nvCxnSpPr>
+            <p:cNvPr id="76" name="Straight Connector 75">
+              <a:extLst>
+                <a:ext uri="{FF2B5EF4-FFF2-40B4-BE49-F238E27FC236}">
+                  <a16:creationId xmlns:a16="http://schemas.microsoft.com/office/drawing/2014/main" id="{D0191225-73D8-DC6B-EAB6-0A4F194FB546}"/>
+                </a:ext>
+              </a:extLst>
+            </p:cNvPr>
+            <p:cNvCxnSpPr>
+              <a:stCxn id="57" idx="3"/>
+              <a:endCxn id="60" idx="0"/>
+            </p:cNvCxnSpPr>
+            <p:nvPr/>
+          </p:nvCxnSpPr>
+          <p:spPr>
+            <a:xfrm flipH="1">
+              <a:off x="7652734" y="1997274"/>
+              <a:ext cx="494906" cy="207241"/>
+            </a:xfrm>
+            <a:prstGeom prst="line">
+              <a:avLst/>
+            </a:prstGeom>
+          </p:spPr>
+          <p:style>
+            <a:lnRef idx="2">
+              <a:schemeClr val="dk1"/>
+            </a:lnRef>
+            <a:fillRef idx="0">
+              <a:schemeClr val="dk1"/>
+            </a:fillRef>
+            <a:effectRef idx="1">
+              <a:schemeClr val="dk1"/>
+            </a:effectRef>
+            <a:fontRef idx="minor">
+              <a:schemeClr val="tx1"/>
+            </a:fontRef>
+          </p:style>
+        </p:cxnSp>
+        <p:cxnSp>
+          <p:nvCxnSpPr>
+            <p:cNvPr id="77" name="Straight Connector 76">
+              <a:extLst>
+                <a:ext uri="{FF2B5EF4-FFF2-40B4-BE49-F238E27FC236}">
+                  <a16:creationId xmlns:a16="http://schemas.microsoft.com/office/drawing/2014/main" id="{5A7142C5-A6AF-79B0-B9D6-CFB7C3CB8B5F}"/>
+                </a:ext>
+              </a:extLst>
+            </p:cNvPr>
+            <p:cNvCxnSpPr>
+              <a:stCxn id="57" idx="5"/>
+              <a:endCxn id="61" idx="0"/>
+            </p:cNvCxnSpPr>
+            <p:nvPr/>
+          </p:nvCxnSpPr>
+          <p:spPr>
+            <a:xfrm>
+              <a:off x="8581586" y="1997274"/>
+              <a:ext cx="530706" cy="207241"/>
+            </a:xfrm>
+            <a:prstGeom prst="line">
+              <a:avLst/>
+            </a:prstGeom>
+          </p:spPr>
+          <p:style>
+            <a:lnRef idx="2">
+              <a:schemeClr val="dk1"/>
+            </a:lnRef>
+            <a:fillRef idx="0">
+              <a:schemeClr val="dk1"/>
+            </a:fillRef>
+            <a:effectRef idx="1">
+              <a:schemeClr val="dk1"/>
+            </a:effectRef>
+            <a:fontRef idx="minor">
+              <a:schemeClr val="tx1"/>
+            </a:fontRef>
+          </p:style>
+        </p:cxnSp>
+        <p:cxnSp>
+          <p:nvCxnSpPr>
+            <p:cNvPr id="78" name="Straight Connector 77">
+              <a:extLst>
+                <a:ext uri="{FF2B5EF4-FFF2-40B4-BE49-F238E27FC236}">
+                  <a16:creationId xmlns:a16="http://schemas.microsoft.com/office/drawing/2014/main" id="{8BEC7687-D2C7-D431-4480-92A43A4AF795}"/>
+                </a:ext>
+              </a:extLst>
+            </p:cNvPr>
+            <p:cNvCxnSpPr>
+              <a:stCxn id="60" idx="3"/>
+              <a:endCxn id="66" idx="0"/>
+            </p:cNvCxnSpPr>
+            <p:nvPr/>
+          </p:nvCxnSpPr>
+          <p:spPr>
+            <a:xfrm flipH="1">
+              <a:off x="7345888" y="2728334"/>
+              <a:ext cx="89873" cy="202823"/>
+            </a:xfrm>
+            <a:prstGeom prst="line">
+              <a:avLst/>
+            </a:prstGeom>
+          </p:spPr>
+          <p:style>
+            <a:lnRef idx="2">
+              <a:schemeClr val="dk1"/>
+            </a:lnRef>
+            <a:fillRef idx="0">
+              <a:schemeClr val="dk1"/>
+            </a:fillRef>
+            <a:effectRef idx="1">
+              <a:schemeClr val="dk1"/>
+            </a:effectRef>
+            <a:fontRef idx="minor">
+              <a:schemeClr val="tx1"/>
+            </a:fontRef>
+          </p:style>
+        </p:cxnSp>
+        <p:cxnSp>
+          <p:nvCxnSpPr>
+            <p:cNvPr id="79" name="Straight Connector 78">
+              <a:extLst>
+                <a:ext uri="{FF2B5EF4-FFF2-40B4-BE49-F238E27FC236}">
+                  <a16:creationId xmlns:a16="http://schemas.microsoft.com/office/drawing/2014/main" id="{5C623D7C-A2D3-9722-C607-9000A345DE44}"/>
+                </a:ext>
+              </a:extLst>
+            </p:cNvPr>
+            <p:cNvCxnSpPr>
+              <a:stCxn id="60" idx="5"/>
+              <a:endCxn id="67" idx="0"/>
+            </p:cNvCxnSpPr>
+            <p:nvPr/>
+          </p:nvCxnSpPr>
+          <p:spPr>
+            <a:xfrm>
+              <a:off x="7869707" y="2728334"/>
+              <a:ext cx="89873" cy="202823"/>
+            </a:xfrm>
+            <a:prstGeom prst="line">
+              <a:avLst/>
+            </a:prstGeom>
+          </p:spPr>
+          <p:style>
+            <a:lnRef idx="2">
+              <a:schemeClr val="dk1"/>
+            </a:lnRef>
+            <a:fillRef idx="0">
+              <a:schemeClr val="dk1"/>
+            </a:fillRef>
+            <a:effectRef idx="1">
+              <a:schemeClr val="dk1"/>
+            </a:effectRef>
+            <a:fontRef idx="minor">
+              <a:schemeClr val="tx1"/>
+            </a:fontRef>
+          </p:style>
+        </p:cxnSp>
+      </p:grpSp>
+      <p:sp>
+        <p:nvSpPr>
+          <p:cNvPr id="80" name="Arrow: Down 79">
+            <a:extLst>
+              <a:ext uri="{FF2B5EF4-FFF2-40B4-BE49-F238E27FC236}">
+                <a16:creationId xmlns:a16="http://schemas.microsoft.com/office/drawing/2014/main" id="{A6FB0C99-D2F3-213D-4C40-5C4750CF66AC}"/>
+              </a:ext>
+            </a:extLst>
+          </p:cNvPr>
+          <p:cNvSpPr/>
+          <p:nvPr/>
+        </p:nvSpPr>
+        <p:spPr>
+          <a:xfrm>
+            <a:off x="4582877" y="3380555"/>
+            <a:ext cx="405136" cy="908924"/>
+          </a:xfrm>
+          <a:prstGeom prst="downArrow">
+            <a:avLst/>
+          </a:prstGeom>
+          <a:noFill/>
+          <a:ln>
+            <a:solidFill>
+              <a:srgbClr val="FF0000"/>
+            </a:solidFill>
+          </a:ln>
+        </p:spPr>
+        <p:style>
+          <a:lnRef idx="2">
+            <a:schemeClr val="accent1">
+              <a:shade val="15000"/>
+            </a:schemeClr>
+          </a:lnRef>
+          <a:fillRef idx="1">
+            <a:schemeClr val="accent1"/>
+          </a:fillRef>
+          <a:effectRef idx="0">
+            <a:schemeClr val="accent1"/>
+          </a:effectRef>
+          <a:fontRef idx="minor">
+            <a:schemeClr val="lt1"/>
+          </a:fontRef>
+        </p:style>
+        <p:txBody>
+          <a:bodyPr rtlCol="0" anchor="ctr"/>
+          <a:lstStyle/>
+          <a:p>
+            <a:pPr algn="ctr"/>
+            <a:endParaRPr lang="en-US"/>
+          </a:p>
+        </p:txBody>
+      </p:sp>
+      <p:sp>
+        <p:nvSpPr>
+          <p:cNvPr id="81" name="TextBox 80">
+            <a:extLst>
+              <a:ext uri="{FF2B5EF4-FFF2-40B4-BE49-F238E27FC236}">
+                <a16:creationId xmlns:a16="http://schemas.microsoft.com/office/drawing/2014/main" id="{ECF69E32-1986-F509-FA7E-5942E3653F0A}"/>
+              </a:ext>
+            </a:extLst>
+          </p:cNvPr>
+          <p:cNvSpPr txBox="1"/>
+          <p:nvPr/>
+        </p:nvSpPr>
+        <p:spPr>
+          <a:xfrm>
+            <a:off x="3469913" y="661358"/>
+            <a:ext cx="3305239" cy="646331"/>
+          </a:xfrm>
+          <a:prstGeom prst="rect">
+            <a:avLst/>
+          </a:prstGeom>
+          <a:noFill/>
+        </p:spPr>
+        <p:txBody>
+          <a:bodyPr wrap="square" rtlCol="0">
+            <a:spAutoFit/>
+          </a:bodyPr>
+          <a:lstStyle/>
+          <a:p>
+            <a:r>
+              <a:rPr lang="en-US" dirty="0">
+                <a:solidFill>
+                  <a:schemeClr val="accent1"/>
+                </a:solidFill>
+              </a:rPr>
+              <a:t>max heap creation:</a:t>
+            </a:r>
+          </a:p>
+          <a:p>
+            <a:r>
+              <a:rPr lang="en-US" dirty="0">
+                <a:solidFill>
+                  <a:schemeClr val="accent1"/>
+                </a:solidFill>
+              </a:rPr>
+              <a:t>percolate down for (n//2, -1, -1)</a:t>
+            </a:r>
+          </a:p>
+        </p:txBody>
+      </p:sp>
+      <p:grpSp>
+        <p:nvGrpSpPr>
+          <p:cNvPr id="82" name="Group 81">
+            <a:extLst>
+              <a:ext uri="{FF2B5EF4-FFF2-40B4-BE49-F238E27FC236}">
+                <a16:creationId xmlns:a16="http://schemas.microsoft.com/office/drawing/2014/main" id="{780AC5C7-37E8-B903-80A4-CFABA17BEC70}"/>
+              </a:ext>
+            </a:extLst>
+          </p:cNvPr>
+          <p:cNvGrpSpPr/>
+          <p:nvPr/>
+        </p:nvGrpSpPr>
+        <p:grpSpPr>
+          <a:xfrm>
+            <a:off x="6022243" y="1674464"/>
+            <a:ext cx="5443460" cy="2879113"/>
+            <a:chOff x="3975678" y="665736"/>
+            <a:chExt cx="5443460" cy="2879113"/>
+          </a:xfrm>
+        </p:grpSpPr>
+        <p:sp>
+          <p:nvSpPr>
+            <p:cNvPr id="83" name="Oval 82">
+              <a:extLst>
+                <a:ext uri="{FF2B5EF4-FFF2-40B4-BE49-F238E27FC236}">
+                  <a16:creationId xmlns:a16="http://schemas.microsoft.com/office/drawing/2014/main" id="{83A221A9-7C28-D01F-206F-6C01F918F4B4}"/>
+                </a:ext>
+              </a:extLst>
+            </p:cNvPr>
+            <p:cNvSpPr/>
+            <p:nvPr/>
+          </p:nvSpPr>
+          <p:spPr>
+            <a:xfrm>
+              <a:off x="6486714" y="665736"/>
+              <a:ext cx="613692" cy="613692"/>
+            </a:xfrm>
+            <a:prstGeom prst="ellipse">
+              <a:avLst/>
+            </a:prstGeom>
+          </p:spPr>
+          <p:style>
+            <a:lnRef idx="2">
+              <a:schemeClr val="dk1"/>
+            </a:lnRef>
+            <a:fillRef idx="1">
+              <a:schemeClr val="lt1"/>
+            </a:fillRef>
+            <a:effectRef idx="0">
+              <a:schemeClr val="dk1"/>
+            </a:effectRef>
+            <a:fontRef idx="minor">
+              <a:schemeClr val="dk1"/>
+            </a:fontRef>
+          </p:style>
+          <p:txBody>
+            <a:bodyPr rtlCol="0" anchor="ctr"/>
+            <a:lstStyle/>
+            <a:p>
+              <a:pPr algn="ctr"/>
+              <a:r>
+                <a:rPr lang="en-US" dirty="0"/>
+                <a:t>11</a:t>
+              </a:r>
+            </a:p>
+          </p:txBody>
+        </p:sp>
+        <p:sp>
+          <p:nvSpPr>
+            <p:cNvPr id="84" name="Oval 83">
+              <a:extLst>
+                <a:ext uri="{FF2B5EF4-FFF2-40B4-BE49-F238E27FC236}">
+                  <a16:creationId xmlns:a16="http://schemas.microsoft.com/office/drawing/2014/main" id="{0C8CEC0A-E101-71F3-4204-34414C7D1A09}"/>
+                </a:ext>
+              </a:extLst>
+            </p:cNvPr>
+            <p:cNvSpPr/>
+            <p:nvPr/>
+          </p:nvSpPr>
+          <p:spPr>
+            <a:xfrm>
+              <a:off x="5075225" y="1473455"/>
+              <a:ext cx="613692" cy="613692"/>
+            </a:xfrm>
+            <a:prstGeom prst="ellipse">
+              <a:avLst/>
+            </a:prstGeom>
+          </p:spPr>
+          <p:style>
+            <a:lnRef idx="2">
+              <a:schemeClr val="dk1"/>
+            </a:lnRef>
+            <a:fillRef idx="1">
+              <a:schemeClr val="lt1"/>
+            </a:fillRef>
+            <a:effectRef idx="0">
+              <a:schemeClr val="dk1"/>
+            </a:effectRef>
+            <a:fontRef idx="minor">
+              <a:schemeClr val="dk1"/>
+            </a:fontRef>
+          </p:style>
+          <p:txBody>
+            <a:bodyPr rtlCol="0" anchor="ctr"/>
+            <a:lstStyle/>
+            <a:p>
+              <a:pPr algn="ctr"/>
+              <a:r>
+                <a:rPr lang="en-US" dirty="0"/>
+                <a:t>12</a:t>
+              </a:r>
+            </a:p>
+          </p:txBody>
+        </p:sp>
+        <p:sp>
+          <p:nvSpPr>
+            <p:cNvPr id="85" name="Oval 84">
+              <a:extLst>
+                <a:ext uri="{FF2B5EF4-FFF2-40B4-BE49-F238E27FC236}">
+                  <a16:creationId xmlns:a16="http://schemas.microsoft.com/office/drawing/2014/main" id="{E812A043-AF46-F833-5487-93F658717FA4}"/>
+                </a:ext>
+              </a:extLst>
+            </p:cNvPr>
+            <p:cNvSpPr/>
+            <p:nvPr/>
+          </p:nvSpPr>
+          <p:spPr>
+            <a:xfrm>
+              <a:off x="8057767" y="1473455"/>
+              <a:ext cx="613692" cy="613692"/>
+            </a:xfrm>
+            <a:prstGeom prst="ellipse">
+              <a:avLst/>
+            </a:prstGeom>
+          </p:spPr>
+          <p:style>
+            <a:lnRef idx="2">
+              <a:schemeClr val="dk1"/>
+            </a:lnRef>
+            <a:fillRef idx="1">
+              <a:schemeClr val="lt1"/>
+            </a:fillRef>
+            <a:effectRef idx="0">
+              <a:schemeClr val="dk1"/>
+            </a:effectRef>
+            <a:fontRef idx="minor">
+              <a:schemeClr val="dk1"/>
+            </a:fontRef>
+          </p:style>
+          <p:txBody>
+            <a:bodyPr rtlCol="0" anchor="ctr"/>
+            <a:lstStyle/>
+            <a:p>
+              <a:pPr algn="ctr"/>
+              <a:r>
+                <a:rPr lang="en-US" dirty="0"/>
+                <a:t>15</a:t>
+              </a:r>
+            </a:p>
+          </p:txBody>
+        </p:sp>
+        <p:sp>
+          <p:nvSpPr>
+            <p:cNvPr id="86" name="Oval 85">
+              <a:extLst>
+                <a:ext uri="{FF2B5EF4-FFF2-40B4-BE49-F238E27FC236}">
+                  <a16:creationId xmlns:a16="http://schemas.microsoft.com/office/drawing/2014/main" id="{7AA8C236-743B-C487-FE63-DB1572648672}"/>
+                </a:ext>
+              </a:extLst>
+            </p:cNvPr>
+            <p:cNvSpPr/>
+            <p:nvPr/>
+          </p:nvSpPr>
+          <p:spPr>
+            <a:xfrm>
+              <a:off x="4293794" y="2204515"/>
+              <a:ext cx="613692" cy="613692"/>
+            </a:xfrm>
+            <a:prstGeom prst="ellipse">
+              <a:avLst/>
+            </a:prstGeom>
+          </p:spPr>
+          <p:style>
+            <a:lnRef idx="2">
+              <a:schemeClr val="dk1"/>
+            </a:lnRef>
+            <a:fillRef idx="1">
+              <a:schemeClr val="lt1"/>
+            </a:fillRef>
+            <a:effectRef idx="0">
+              <a:schemeClr val="dk1"/>
+            </a:effectRef>
+            <a:fontRef idx="minor">
+              <a:schemeClr val="dk1"/>
+            </a:fontRef>
+          </p:style>
+          <p:txBody>
+            <a:bodyPr rtlCol="0" anchor="ctr"/>
+            <a:lstStyle/>
+            <a:p>
+              <a:pPr algn="ctr"/>
+              <a:r>
+                <a:rPr lang="en-US" dirty="0"/>
+                <a:t>17</a:t>
+              </a:r>
+            </a:p>
+          </p:txBody>
+        </p:sp>
+        <p:sp>
+          <p:nvSpPr>
+            <p:cNvPr id="87" name="Oval 86">
+              <a:extLst>
+                <a:ext uri="{FF2B5EF4-FFF2-40B4-BE49-F238E27FC236}">
+                  <a16:creationId xmlns:a16="http://schemas.microsoft.com/office/drawing/2014/main" id="{95FB869C-1729-BB08-9681-9C769124632A}"/>
+                </a:ext>
+              </a:extLst>
+            </p:cNvPr>
+            <p:cNvSpPr/>
+            <p:nvPr/>
+          </p:nvSpPr>
+          <p:spPr>
+            <a:xfrm>
+              <a:off x="5799380" y="2204515"/>
+              <a:ext cx="613692" cy="613692"/>
+            </a:xfrm>
+            <a:prstGeom prst="ellipse">
+              <a:avLst/>
+            </a:prstGeom>
+          </p:spPr>
+          <p:style>
+            <a:lnRef idx="2">
+              <a:schemeClr val="dk1"/>
+            </a:lnRef>
+            <a:fillRef idx="1">
+              <a:schemeClr val="lt1"/>
+            </a:fillRef>
+            <a:effectRef idx="0">
+              <a:schemeClr val="dk1"/>
+            </a:effectRef>
+            <a:fontRef idx="minor">
+              <a:schemeClr val="dk1"/>
+            </a:fontRef>
+          </p:style>
+          <p:txBody>
+            <a:bodyPr rtlCol="0" anchor="ctr"/>
+            <a:lstStyle/>
+            <a:p>
+              <a:pPr algn="ctr"/>
+              <a:r>
+                <a:rPr lang="en-US" dirty="0"/>
+                <a:t>28</a:t>
+              </a:r>
+            </a:p>
+          </p:txBody>
+        </p:sp>
+        <p:sp>
+          <p:nvSpPr>
+            <p:cNvPr id="88" name="Oval 87">
+              <a:extLst>
+                <a:ext uri="{FF2B5EF4-FFF2-40B4-BE49-F238E27FC236}">
+                  <a16:creationId xmlns:a16="http://schemas.microsoft.com/office/drawing/2014/main" id="{0846A8A4-1D2D-75E6-7DB0-64FB6E4C67F1}"/>
+                </a:ext>
+              </a:extLst>
+            </p:cNvPr>
+            <p:cNvSpPr/>
+            <p:nvPr/>
+          </p:nvSpPr>
+          <p:spPr>
+            <a:xfrm>
+              <a:off x="7345888" y="2204515"/>
+              <a:ext cx="613692" cy="613692"/>
+            </a:xfrm>
+            <a:prstGeom prst="ellipse">
+              <a:avLst/>
+            </a:prstGeom>
+          </p:spPr>
+          <p:style>
+            <a:lnRef idx="2">
+              <a:schemeClr val="dk1"/>
+            </a:lnRef>
+            <a:fillRef idx="1">
+              <a:schemeClr val="lt1"/>
+            </a:fillRef>
+            <a:effectRef idx="0">
+              <a:schemeClr val="dk1"/>
+            </a:effectRef>
+            <a:fontRef idx="minor">
+              <a:schemeClr val="dk1"/>
+            </a:fontRef>
+          </p:style>
+          <p:txBody>
+            <a:bodyPr rtlCol="0" anchor="ctr"/>
+            <a:lstStyle/>
+            <a:p>
+              <a:pPr algn="ctr"/>
+              <a:r>
+                <a:rPr lang="en-US" dirty="0"/>
+                <a:t>35</a:t>
+              </a:r>
+            </a:p>
+          </p:txBody>
+        </p:sp>
+        <p:sp>
+          <p:nvSpPr>
+            <p:cNvPr id="89" name="Oval 88">
+              <a:extLst>
+                <a:ext uri="{FF2B5EF4-FFF2-40B4-BE49-F238E27FC236}">
+                  <a16:creationId xmlns:a16="http://schemas.microsoft.com/office/drawing/2014/main" id="{D78EC7AE-2FFC-8D35-93EC-76A859814D41}"/>
+                </a:ext>
+              </a:extLst>
+            </p:cNvPr>
+            <p:cNvSpPr/>
+            <p:nvPr/>
+          </p:nvSpPr>
+          <p:spPr>
+            <a:xfrm>
+              <a:off x="8805446" y="2204515"/>
+              <a:ext cx="613692" cy="613692"/>
+            </a:xfrm>
+            <a:prstGeom prst="ellipse">
+              <a:avLst/>
+            </a:prstGeom>
+          </p:spPr>
+          <p:style>
+            <a:lnRef idx="2">
+              <a:schemeClr val="dk1"/>
+            </a:lnRef>
+            <a:fillRef idx="1">
+              <a:schemeClr val="lt1"/>
+            </a:fillRef>
+            <a:effectRef idx="0">
+              <a:schemeClr val="dk1"/>
+            </a:effectRef>
+            <a:fontRef idx="minor">
+              <a:schemeClr val="dk1"/>
+            </a:fontRef>
+          </p:style>
+          <p:txBody>
+            <a:bodyPr rtlCol="0" anchor="ctr"/>
+            <a:lstStyle/>
+            <a:p>
+              <a:pPr algn="ctr"/>
+              <a:r>
+                <a:rPr lang="en-US" dirty="0"/>
+                <a:t>41</a:t>
+              </a:r>
+            </a:p>
+          </p:txBody>
+        </p:sp>
+        <p:sp>
+          <p:nvSpPr>
+            <p:cNvPr id="90" name="Oval 89">
+              <a:extLst>
+                <a:ext uri="{FF2B5EF4-FFF2-40B4-BE49-F238E27FC236}">
+                  <a16:creationId xmlns:a16="http://schemas.microsoft.com/office/drawing/2014/main" id="{4D74A5E1-5EBF-95C4-B209-BDBC3336C3E3}"/>
+                </a:ext>
+              </a:extLst>
+            </p:cNvPr>
+            <p:cNvSpPr/>
+            <p:nvPr/>
+          </p:nvSpPr>
+          <p:spPr>
+            <a:xfrm>
+              <a:off x="3975678" y="2931157"/>
+              <a:ext cx="613692" cy="613692"/>
+            </a:xfrm>
+            <a:prstGeom prst="ellipse">
+              <a:avLst/>
+            </a:prstGeom>
+          </p:spPr>
+          <p:style>
+            <a:lnRef idx="2">
+              <a:schemeClr val="dk1"/>
+            </a:lnRef>
+            <a:fillRef idx="1">
+              <a:schemeClr val="lt1"/>
+            </a:fillRef>
+            <a:effectRef idx="0">
+              <a:schemeClr val="dk1"/>
+            </a:effectRef>
+            <a:fontRef idx="minor">
+              <a:schemeClr val="dk1"/>
+            </a:fontRef>
+          </p:style>
+          <p:txBody>
+            <a:bodyPr rtlCol="0" anchor="ctr"/>
+            <a:lstStyle/>
+            <a:p>
+              <a:pPr algn="ctr"/>
+              <a:r>
+                <a:rPr lang="en-US" dirty="0"/>
+                <a:t>58</a:t>
+              </a:r>
+            </a:p>
+          </p:txBody>
+        </p:sp>
+        <p:sp>
+          <p:nvSpPr>
+            <p:cNvPr id="91" name="Oval 90">
+              <a:extLst>
+                <a:ext uri="{FF2B5EF4-FFF2-40B4-BE49-F238E27FC236}">
+                  <a16:creationId xmlns:a16="http://schemas.microsoft.com/office/drawing/2014/main" id="{E3AAFAC2-990A-CECC-2BBD-A237ED1CF37D}"/>
+                </a:ext>
+              </a:extLst>
+            </p:cNvPr>
+            <p:cNvSpPr/>
+            <p:nvPr/>
+          </p:nvSpPr>
+          <p:spPr>
+            <a:xfrm>
+              <a:off x="4600640" y="2931157"/>
+              <a:ext cx="613692" cy="613692"/>
+            </a:xfrm>
+            <a:prstGeom prst="ellipse">
+              <a:avLst/>
+            </a:prstGeom>
+          </p:spPr>
+          <p:style>
+            <a:lnRef idx="2">
+              <a:schemeClr val="dk1"/>
+            </a:lnRef>
+            <a:fillRef idx="1">
+              <a:schemeClr val="lt1"/>
+            </a:fillRef>
+            <a:effectRef idx="0">
+              <a:schemeClr val="dk1"/>
+            </a:effectRef>
+            <a:fontRef idx="minor">
+              <a:schemeClr val="dk1"/>
+            </a:fontRef>
+          </p:style>
+          <p:txBody>
+            <a:bodyPr rtlCol="0" anchor="ctr"/>
+            <a:lstStyle/>
+            <a:p>
+              <a:pPr algn="ctr"/>
+              <a:r>
+                <a:rPr lang="en-US" dirty="0"/>
+                <a:t>75</a:t>
+              </a:r>
+            </a:p>
+          </p:txBody>
+        </p:sp>
+        <p:sp>
+          <p:nvSpPr>
+            <p:cNvPr id="92" name="Oval 91">
+              <a:extLst>
+                <a:ext uri="{FF2B5EF4-FFF2-40B4-BE49-F238E27FC236}">
+                  <a16:creationId xmlns:a16="http://schemas.microsoft.com/office/drawing/2014/main" id="{10D33DE9-FB88-94E4-8461-8D8F57A4761C}"/>
+                </a:ext>
+              </a:extLst>
+            </p:cNvPr>
+            <p:cNvSpPr/>
+            <p:nvPr/>
+          </p:nvSpPr>
+          <p:spPr>
+            <a:xfrm>
+              <a:off x="5492534" y="2931157"/>
+              <a:ext cx="613692" cy="613692"/>
+            </a:xfrm>
+            <a:prstGeom prst="ellipse">
+              <a:avLst/>
+            </a:prstGeom>
+          </p:spPr>
+          <p:style>
+            <a:lnRef idx="2">
+              <a:schemeClr val="dk1"/>
+            </a:lnRef>
+            <a:fillRef idx="1">
+              <a:schemeClr val="lt1"/>
+            </a:fillRef>
+            <a:effectRef idx="0">
+              <a:schemeClr val="dk1"/>
+            </a:effectRef>
+            <a:fontRef idx="minor">
+              <a:schemeClr val="dk1"/>
+            </a:fontRef>
+          </p:style>
+          <p:txBody>
+            <a:bodyPr rtlCol="0" anchor="ctr"/>
+            <a:lstStyle/>
+            <a:p>
+              <a:pPr algn="ctr"/>
+              <a:r>
+                <a:rPr lang="en-US" dirty="0"/>
+                <a:t>81</a:t>
+              </a:r>
+            </a:p>
+          </p:txBody>
+        </p:sp>
+        <p:sp>
+          <p:nvSpPr>
+            <p:cNvPr id="93" name="Oval 92">
+              <a:extLst>
+                <a:ext uri="{FF2B5EF4-FFF2-40B4-BE49-F238E27FC236}">
+                  <a16:creationId xmlns:a16="http://schemas.microsoft.com/office/drawing/2014/main" id="{0D1259D3-82EA-4C43-7B32-4A9B12215AEA}"/>
+                </a:ext>
+              </a:extLst>
+            </p:cNvPr>
+            <p:cNvSpPr/>
+            <p:nvPr/>
+          </p:nvSpPr>
+          <p:spPr>
+            <a:xfrm>
+              <a:off x="6110820" y="2931157"/>
+              <a:ext cx="613692" cy="613692"/>
+            </a:xfrm>
+            <a:prstGeom prst="ellipse">
+              <a:avLst/>
+            </a:prstGeom>
+          </p:spPr>
+          <p:style>
+            <a:lnRef idx="2">
+              <a:schemeClr val="dk1"/>
+            </a:lnRef>
+            <a:fillRef idx="1">
+              <a:schemeClr val="lt1"/>
+            </a:fillRef>
+            <a:effectRef idx="0">
+              <a:schemeClr val="dk1"/>
+            </a:effectRef>
+            <a:fontRef idx="minor">
+              <a:schemeClr val="dk1"/>
+            </a:fontRef>
+          </p:style>
+          <p:txBody>
+            <a:bodyPr rtlCol="0" anchor="ctr"/>
+            <a:lstStyle/>
+            <a:p>
+              <a:pPr algn="ctr"/>
+              <a:r>
+                <a:rPr lang="en-US" dirty="0"/>
+                <a:t>94</a:t>
+              </a:r>
+            </a:p>
+          </p:txBody>
+        </p:sp>
+        <p:sp>
+          <p:nvSpPr>
+            <p:cNvPr id="94" name="Oval 93">
+              <a:extLst>
+                <a:ext uri="{FF2B5EF4-FFF2-40B4-BE49-F238E27FC236}">
+                  <a16:creationId xmlns:a16="http://schemas.microsoft.com/office/drawing/2014/main" id="{210F4F5A-59D8-A310-AC7A-C266144F1962}"/>
+                </a:ext>
+              </a:extLst>
+            </p:cNvPr>
+            <p:cNvSpPr/>
+            <p:nvPr/>
+          </p:nvSpPr>
+          <p:spPr>
+            <a:xfrm>
+              <a:off x="7039042" y="2931157"/>
+              <a:ext cx="613692" cy="613692"/>
+            </a:xfrm>
+            <a:prstGeom prst="ellipse">
+              <a:avLst/>
+            </a:prstGeom>
+          </p:spPr>
+          <p:style>
+            <a:lnRef idx="2">
+              <a:schemeClr val="dk1"/>
+            </a:lnRef>
+            <a:fillRef idx="1">
+              <a:schemeClr val="lt1"/>
+            </a:fillRef>
+            <a:effectRef idx="0">
+              <a:schemeClr val="dk1"/>
+            </a:effectRef>
+            <a:fontRef idx="minor">
+              <a:schemeClr val="dk1"/>
+            </a:fontRef>
+          </p:style>
+          <p:txBody>
+            <a:bodyPr rtlCol="0" anchor="ctr"/>
+            <a:lstStyle/>
+            <a:p>
+              <a:pPr algn="ctr"/>
+              <a:r>
+                <a:rPr lang="en-US" dirty="0"/>
+                <a:t>95</a:t>
+              </a:r>
+            </a:p>
+          </p:txBody>
+        </p:sp>
+        <p:sp>
+          <p:nvSpPr>
+            <p:cNvPr id="95" name="Oval 94">
+              <a:extLst>
+                <a:ext uri="{FF2B5EF4-FFF2-40B4-BE49-F238E27FC236}">
+                  <a16:creationId xmlns:a16="http://schemas.microsoft.com/office/drawing/2014/main" id="{0B4AEE42-DF8A-27A2-20B8-FC87594CCAAA}"/>
+                </a:ext>
+              </a:extLst>
+            </p:cNvPr>
+            <p:cNvSpPr/>
+            <p:nvPr/>
+          </p:nvSpPr>
+          <p:spPr>
+            <a:xfrm>
+              <a:off x="7652734" y="2931157"/>
+              <a:ext cx="613692" cy="613692"/>
+            </a:xfrm>
+            <a:prstGeom prst="ellipse">
+              <a:avLst/>
+            </a:prstGeom>
+          </p:spPr>
+          <p:style>
+            <a:lnRef idx="2">
+              <a:schemeClr val="dk1"/>
+            </a:lnRef>
+            <a:fillRef idx="1">
+              <a:schemeClr val="lt1"/>
+            </a:fillRef>
+            <a:effectRef idx="0">
+              <a:schemeClr val="dk1"/>
+            </a:effectRef>
+            <a:fontRef idx="minor">
+              <a:schemeClr val="dk1"/>
+            </a:fontRef>
+          </p:style>
+          <p:txBody>
+            <a:bodyPr rtlCol="0" anchor="ctr"/>
+            <a:lstStyle/>
+            <a:p>
+              <a:pPr algn="ctr"/>
+              <a:r>
+                <a:rPr lang="en-US" dirty="0"/>
+                <a:t>96</a:t>
+              </a:r>
+            </a:p>
+          </p:txBody>
+        </p:sp>
+        <p:cxnSp>
+          <p:nvCxnSpPr>
+            <p:cNvPr id="96" name="Straight Connector 95">
+              <a:extLst>
+                <a:ext uri="{FF2B5EF4-FFF2-40B4-BE49-F238E27FC236}">
+                  <a16:creationId xmlns:a16="http://schemas.microsoft.com/office/drawing/2014/main" id="{DF22990D-262E-25C6-8491-9147F5F03A07}"/>
+                </a:ext>
+              </a:extLst>
+            </p:cNvPr>
+            <p:cNvCxnSpPr>
+              <a:cxnSpLocks/>
+              <a:stCxn id="83" idx="3"/>
+              <a:endCxn id="84" idx="0"/>
+            </p:cNvCxnSpPr>
+            <p:nvPr/>
+          </p:nvCxnSpPr>
+          <p:spPr>
+            <a:xfrm flipH="1">
+              <a:off x="5382071" y="1189555"/>
+              <a:ext cx="1194516" cy="283900"/>
+            </a:xfrm>
+            <a:prstGeom prst="line">
+              <a:avLst/>
+            </a:prstGeom>
+          </p:spPr>
+          <p:style>
+            <a:lnRef idx="2">
+              <a:schemeClr val="dk1"/>
+            </a:lnRef>
+            <a:fillRef idx="0">
+              <a:schemeClr val="dk1"/>
+            </a:fillRef>
+            <a:effectRef idx="1">
+              <a:schemeClr val="dk1"/>
+            </a:effectRef>
+            <a:fontRef idx="minor">
+              <a:schemeClr val="tx1"/>
+            </a:fontRef>
+          </p:style>
+        </p:cxnSp>
+        <p:cxnSp>
+          <p:nvCxnSpPr>
+            <p:cNvPr id="97" name="Straight Connector 96">
+              <a:extLst>
+                <a:ext uri="{FF2B5EF4-FFF2-40B4-BE49-F238E27FC236}">
+                  <a16:creationId xmlns:a16="http://schemas.microsoft.com/office/drawing/2014/main" id="{65B9CDC6-AE83-3742-2466-1D99A945CF6D}"/>
+                </a:ext>
+              </a:extLst>
+            </p:cNvPr>
+            <p:cNvCxnSpPr>
+              <a:cxnSpLocks/>
+              <a:stCxn id="83" idx="5"/>
+              <a:endCxn id="85" idx="0"/>
+            </p:cNvCxnSpPr>
+            <p:nvPr/>
+          </p:nvCxnSpPr>
+          <p:spPr>
+            <a:xfrm>
+              <a:off x="7010533" y="1189555"/>
+              <a:ext cx="1354080" cy="283900"/>
+            </a:xfrm>
+            <a:prstGeom prst="line">
+              <a:avLst/>
+            </a:prstGeom>
+          </p:spPr>
+          <p:style>
+            <a:lnRef idx="2">
+              <a:schemeClr val="dk1"/>
+            </a:lnRef>
+            <a:fillRef idx="0">
+              <a:schemeClr val="dk1"/>
+            </a:fillRef>
+            <a:effectRef idx="1">
+              <a:schemeClr val="dk1"/>
+            </a:effectRef>
+            <a:fontRef idx="minor">
+              <a:schemeClr val="tx1"/>
+            </a:fontRef>
+          </p:style>
+        </p:cxnSp>
+        <p:cxnSp>
+          <p:nvCxnSpPr>
+            <p:cNvPr id="98" name="Straight Connector 97">
+              <a:extLst>
+                <a:ext uri="{FF2B5EF4-FFF2-40B4-BE49-F238E27FC236}">
+                  <a16:creationId xmlns:a16="http://schemas.microsoft.com/office/drawing/2014/main" id="{75CB9706-107D-0BB2-30B5-33D40DF2EA14}"/>
+                </a:ext>
+              </a:extLst>
+            </p:cNvPr>
+            <p:cNvCxnSpPr>
+              <a:stCxn id="84" idx="3"/>
+              <a:endCxn id="86" idx="0"/>
+            </p:cNvCxnSpPr>
+            <p:nvPr/>
+          </p:nvCxnSpPr>
+          <p:spPr>
+            <a:xfrm flipH="1">
+              <a:off x="4600640" y="1997274"/>
+              <a:ext cx="564458" cy="207241"/>
+            </a:xfrm>
+            <a:prstGeom prst="line">
+              <a:avLst/>
+            </a:prstGeom>
+          </p:spPr>
+          <p:style>
+            <a:lnRef idx="2">
+              <a:schemeClr val="dk1"/>
+            </a:lnRef>
+            <a:fillRef idx="0">
+              <a:schemeClr val="dk1"/>
+            </a:fillRef>
+            <a:effectRef idx="1">
+              <a:schemeClr val="dk1"/>
+            </a:effectRef>
+            <a:fontRef idx="minor">
+              <a:schemeClr val="tx1"/>
+            </a:fontRef>
+          </p:style>
+        </p:cxnSp>
+        <p:cxnSp>
+          <p:nvCxnSpPr>
+            <p:cNvPr id="99" name="Straight Connector 98">
+              <a:extLst>
+                <a:ext uri="{FF2B5EF4-FFF2-40B4-BE49-F238E27FC236}">
+                  <a16:creationId xmlns:a16="http://schemas.microsoft.com/office/drawing/2014/main" id="{989B0390-21E0-EA74-EC3A-79B18A6C7E2F}"/>
+                </a:ext>
+              </a:extLst>
+            </p:cNvPr>
+            <p:cNvCxnSpPr>
+              <a:stCxn id="84" idx="5"/>
+              <a:endCxn id="87" idx="0"/>
+            </p:cNvCxnSpPr>
+            <p:nvPr/>
+          </p:nvCxnSpPr>
+          <p:spPr>
+            <a:xfrm>
+              <a:off x="5599044" y="1997274"/>
+              <a:ext cx="507182" cy="207241"/>
+            </a:xfrm>
+            <a:prstGeom prst="line">
+              <a:avLst/>
+            </a:prstGeom>
+          </p:spPr>
+          <p:style>
+            <a:lnRef idx="2">
+              <a:schemeClr val="dk1"/>
+            </a:lnRef>
+            <a:fillRef idx="0">
+              <a:schemeClr val="dk1"/>
+            </a:fillRef>
+            <a:effectRef idx="1">
+              <a:schemeClr val="dk1"/>
+            </a:effectRef>
+            <a:fontRef idx="minor">
+              <a:schemeClr val="tx1"/>
+            </a:fontRef>
+          </p:style>
+        </p:cxnSp>
+        <p:cxnSp>
+          <p:nvCxnSpPr>
+            <p:cNvPr id="100" name="Straight Connector 99">
+              <a:extLst>
+                <a:ext uri="{FF2B5EF4-FFF2-40B4-BE49-F238E27FC236}">
+                  <a16:creationId xmlns:a16="http://schemas.microsoft.com/office/drawing/2014/main" id="{4CF435F7-1120-A53A-B57A-51C81B6C4462}"/>
+                </a:ext>
+              </a:extLst>
+            </p:cNvPr>
+            <p:cNvCxnSpPr>
+              <a:stCxn id="86" idx="3"/>
+              <a:endCxn id="90" idx="0"/>
+            </p:cNvCxnSpPr>
+            <p:nvPr/>
+          </p:nvCxnSpPr>
+          <p:spPr>
+            <a:xfrm flipH="1">
+              <a:off x="4282524" y="2728334"/>
+              <a:ext cx="101143" cy="202823"/>
+            </a:xfrm>
+            <a:prstGeom prst="line">
+              <a:avLst/>
+            </a:prstGeom>
+          </p:spPr>
+          <p:style>
+            <a:lnRef idx="2">
+              <a:schemeClr val="dk1"/>
+            </a:lnRef>
+            <a:fillRef idx="0">
+              <a:schemeClr val="dk1"/>
+            </a:fillRef>
+            <a:effectRef idx="1">
+              <a:schemeClr val="dk1"/>
+            </a:effectRef>
+            <a:fontRef idx="minor">
+              <a:schemeClr val="tx1"/>
+            </a:fontRef>
+          </p:style>
+        </p:cxnSp>
+        <p:cxnSp>
+          <p:nvCxnSpPr>
+            <p:cNvPr id="101" name="Straight Connector 100">
+              <a:extLst>
+                <a:ext uri="{FF2B5EF4-FFF2-40B4-BE49-F238E27FC236}">
+                  <a16:creationId xmlns:a16="http://schemas.microsoft.com/office/drawing/2014/main" id="{902AA83E-7BD6-0473-1587-2F1A3E8471A5}"/>
+                </a:ext>
+              </a:extLst>
+            </p:cNvPr>
+            <p:cNvCxnSpPr>
+              <a:stCxn id="86" idx="5"/>
+              <a:endCxn id="91" idx="0"/>
+            </p:cNvCxnSpPr>
+            <p:nvPr/>
+          </p:nvCxnSpPr>
+          <p:spPr>
+            <a:xfrm>
+              <a:off x="4817613" y="2728334"/>
+              <a:ext cx="89873" cy="202823"/>
+            </a:xfrm>
+            <a:prstGeom prst="line">
+              <a:avLst/>
+            </a:prstGeom>
+          </p:spPr>
+          <p:style>
+            <a:lnRef idx="2">
+              <a:schemeClr val="dk1"/>
+            </a:lnRef>
+            <a:fillRef idx="0">
+              <a:schemeClr val="dk1"/>
+            </a:fillRef>
+            <a:effectRef idx="1">
+              <a:schemeClr val="dk1"/>
+            </a:effectRef>
+            <a:fontRef idx="minor">
+              <a:schemeClr val="tx1"/>
+            </a:fontRef>
+          </p:style>
+        </p:cxnSp>
+        <p:cxnSp>
+          <p:nvCxnSpPr>
+            <p:cNvPr id="102" name="Straight Connector 101">
+              <a:extLst>
+                <a:ext uri="{FF2B5EF4-FFF2-40B4-BE49-F238E27FC236}">
+                  <a16:creationId xmlns:a16="http://schemas.microsoft.com/office/drawing/2014/main" id="{AD765C13-DC3C-7070-5F3E-2FCE48981E10}"/>
+                </a:ext>
+              </a:extLst>
+            </p:cNvPr>
+            <p:cNvCxnSpPr>
+              <a:stCxn id="87" idx="3"/>
+              <a:endCxn id="92" idx="0"/>
+            </p:cNvCxnSpPr>
+            <p:nvPr/>
+          </p:nvCxnSpPr>
+          <p:spPr>
+            <a:xfrm flipH="1">
+              <a:off x="5799380" y="2728334"/>
+              <a:ext cx="89873" cy="202823"/>
+            </a:xfrm>
+            <a:prstGeom prst="line">
+              <a:avLst/>
+            </a:prstGeom>
+          </p:spPr>
+          <p:style>
+            <a:lnRef idx="2">
+              <a:schemeClr val="dk1"/>
+            </a:lnRef>
+            <a:fillRef idx="0">
+              <a:schemeClr val="dk1"/>
+            </a:fillRef>
+            <a:effectRef idx="1">
+              <a:schemeClr val="dk1"/>
+            </a:effectRef>
+            <a:fontRef idx="minor">
+              <a:schemeClr val="tx1"/>
+            </a:fontRef>
+          </p:style>
+        </p:cxnSp>
+        <p:cxnSp>
+          <p:nvCxnSpPr>
+            <p:cNvPr id="103" name="Straight Connector 102">
+              <a:extLst>
+                <a:ext uri="{FF2B5EF4-FFF2-40B4-BE49-F238E27FC236}">
+                  <a16:creationId xmlns:a16="http://schemas.microsoft.com/office/drawing/2014/main" id="{6ED2095C-2364-3D5A-0047-4948A4D8908A}"/>
+                </a:ext>
+              </a:extLst>
+            </p:cNvPr>
+            <p:cNvCxnSpPr>
+              <a:stCxn id="87" idx="5"/>
+              <a:endCxn id="93" idx="0"/>
+            </p:cNvCxnSpPr>
+            <p:nvPr/>
+          </p:nvCxnSpPr>
+          <p:spPr>
+            <a:xfrm>
+              <a:off x="6323199" y="2728334"/>
+              <a:ext cx="94467" cy="202823"/>
+            </a:xfrm>
+            <a:prstGeom prst="line">
+              <a:avLst/>
+            </a:prstGeom>
+          </p:spPr>
+          <p:style>
+            <a:lnRef idx="2">
+              <a:schemeClr val="dk1"/>
+            </a:lnRef>
+            <a:fillRef idx="0">
+              <a:schemeClr val="dk1"/>
+            </a:fillRef>
+            <a:effectRef idx="1">
+              <a:schemeClr val="dk1"/>
+            </a:effectRef>
+            <a:fontRef idx="minor">
+              <a:schemeClr val="tx1"/>
+            </a:fontRef>
+          </p:style>
+        </p:cxnSp>
+        <p:cxnSp>
+          <p:nvCxnSpPr>
+            <p:cNvPr id="104" name="Straight Connector 103">
+              <a:extLst>
+                <a:ext uri="{FF2B5EF4-FFF2-40B4-BE49-F238E27FC236}">
+                  <a16:creationId xmlns:a16="http://schemas.microsoft.com/office/drawing/2014/main" id="{A3E866ED-0594-5BDA-A5F5-ACC0EA875AFA}"/>
+                </a:ext>
+              </a:extLst>
+            </p:cNvPr>
+            <p:cNvCxnSpPr>
+              <a:stCxn id="85" idx="3"/>
+              <a:endCxn id="88" idx="0"/>
+            </p:cNvCxnSpPr>
+            <p:nvPr/>
+          </p:nvCxnSpPr>
+          <p:spPr>
+            <a:xfrm flipH="1">
+              <a:off x="7652734" y="1997274"/>
+              <a:ext cx="494906" cy="207241"/>
+            </a:xfrm>
+            <a:prstGeom prst="line">
+              <a:avLst/>
+            </a:prstGeom>
+          </p:spPr>
+          <p:style>
+            <a:lnRef idx="2">
+              <a:schemeClr val="dk1"/>
+            </a:lnRef>
+            <a:fillRef idx="0">
+              <a:schemeClr val="dk1"/>
+            </a:fillRef>
+            <a:effectRef idx="1">
+              <a:schemeClr val="dk1"/>
+            </a:effectRef>
+            <a:fontRef idx="minor">
+              <a:schemeClr val="tx1"/>
+            </a:fontRef>
+          </p:style>
+        </p:cxnSp>
+        <p:cxnSp>
+          <p:nvCxnSpPr>
+            <p:cNvPr id="105" name="Straight Connector 104">
+              <a:extLst>
+                <a:ext uri="{FF2B5EF4-FFF2-40B4-BE49-F238E27FC236}">
+                  <a16:creationId xmlns:a16="http://schemas.microsoft.com/office/drawing/2014/main" id="{486DF237-8D9B-BC47-5299-7E0B24BED4F6}"/>
+                </a:ext>
+              </a:extLst>
+            </p:cNvPr>
+            <p:cNvCxnSpPr>
+              <a:stCxn id="85" idx="5"/>
+              <a:endCxn id="89" idx="0"/>
+            </p:cNvCxnSpPr>
+            <p:nvPr/>
+          </p:nvCxnSpPr>
+          <p:spPr>
+            <a:xfrm>
+              <a:off x="8581586" y="1997274"/>
+              <a:ext cx="530706" cy="207241"/>
+            </a:xfrm>
+            <a:prstGeom prst="line">
+              <a:avLst/>
+            </a:prstGeom>
+          </p:spPr>
+          <p:style>
+            <a:lnRef idx="2">
+              <a:schemeClr val="dk1"/>
+            </a:lnRef>
+            <a:fillRef idx="0">
+              <a:schemeClr val="dk1"/>
+            </a:fillRef>
+            <a:effectRef idx="1">
+              <a:schemeClr val="dk1"/>
+            </a:effectRef>
+            <a:fontRef idx="minor">
+              <a:schemeClr val="tx1"/>
+            </a:fontRef>
+          </p:style>
+        </p:cxnSp>
+        <p:cxnSp>
+          <p:nvCxnSpPr>
+            <p:cNvPr id="106" name="Straight Connector 105">
+              <a:extLst>
+                <a:ext uri="{FF2B5EF4-FFF2-40B4-BE49-F238E27FC236}">
+                  <a16:creationId xmlns:a16="http://schemas.microsoft.com/office/drawing/2014/main" id="{D383C7E2-D595-FECD-A372-15651D9AE341}"/>
+                </a:ext>
+              </a:extLst>
+            </p:cNvPr>
+            <p:cNvCxnSpPr>
+              <a:stCxn id="88" idx="3"/>
+              <a:endCxn id="94" idx="0"/>
+            </p:cNvCxnSpPr>
+            <p:nvPr/>
+          </p:nvCxnSpPr>
+          <p:spPr>
+            <a:xfrm flipH="1">
+              <a:off x="7345888" y="2728334"/>
+              <a:ext cx="89873" cy="202823"/>
+            </a:xfrm>
+            <a:prstGeom prst="line">
+              <a:avLst/>
+            </a:prstGeom>
+          </p:spPr>
+          <p:style>
+            <a:lnRef idx="2">
+              <a:schemeClr val="dk1"/>
+            </a:lnRef>
+            <a:fillRef idx="0">
+              <a:schemeClr val="dk1"/>
+            </a:fillRef>
+            <a:effectRef idx="1">
+              <a:schemeClr val="dk1"/>
+            </a:effectRef>
+            <a:fontRef idx="minor">
+              <a:schemeClr val="tx1"/>
+            </a:fontRef>
+          </p:style>
+        </p:cxnSp>
+        <p:cxnSp>
+          <p:nvCxnSpPr>
+            <p:cNvPr id="107" name="Straight Connector 106">
+              <a:extLst>
+                <a:ext uri="{FF2B5EF4-FFF2-40B4-BE49-F238E27FC236}">
+                  <a16:creationId xmlns:a16="http://schemas.microsoft.com/office/drawing/2014/main" id="{983AD2A3-2F66-A298-DB46-09A25B0170A8}"/>
+                </a:ext>
+              </a:extLst>
+            </p:cNvPr>
+            <p:cNvCxnSpPr>
+              <a:stCxn id="88" idx="5"/>
+              <a:endCxn id="95" idx="0"/>
+            </p:cNvCxnSpPr>
+            <p:nvPr/>
+          </p:nvCxnSpPr>
+          <p:spPr>
+            <a:xfrm>
+              <a:off x="7869707" y="2728334"/>
+              <a:ext cx="89873" cy="202823"/>
+            </a:xfrm>
+            <a:prstGeom prst="line">
+              <a:avLst/>
+            </a:prstGeom>
+          </p:spPr>
+          <p:style>
+            <a:lnRef idx="2">
+              <a:schemeClr val="dk1"/>
+            </a:lnRef>
+            <a:fillRef idx="0">
+              <a:schemeClr val="dk1"/>
+            </a:fillRef>
+            <a:effectRef idx="1">
+              <a:schemeClr val="dk1"/>
+            </a:effectRef>
+            <a:fontRef idx="minor">
+              <a:schemeClr val="tx1"/>
+            </a:fontRef>
+          </p:style>
+        </p:cxnSp>
+      </p:grpSp>
+      <p:sp>
+        <p:nvSpPr>
+          <p:cNvPr id="108" name="Arrow: Down 107">
+            <a:extLst>
+              <a:ext uri="{FF2B5EF4-FFF2-40B4-BE49-F238E27FC236}">
+                <a16:creationId xmlns:a16="http://schemas.microsoft.com/office/drawing/2014/main" id="{B186C009-BE25-B1A7-0AC7-4265582DF59B}"/>
+              </a:ext>
+            </a:extLst>
+          </p:cNvPr>
+          <p:cNvSpPr/>
+          <p:nvPr/>
+        </p:nvSpPr>
+        <p:spPr>
+          <a:xfrm rot="13498970">
+            <a:off x="6207706" y="4660273"/>
+            <a:ext cx="405136" cy="908924"/>
+          </a:xfrm>
+          <a:prstGeom prst="downArrow">
+            <a:avLst/>
+          </a:prstGeom>
+          <a:noFill/>
+          <a:ln>
+            <a:solidFill>
+              <a:srgbClr val="FF0000"/>
+            </a:solidFill>
+          </a:ln>
+        </p:spPr>
+        <p:style>
+          <a:lnRef idx="2">
+            <a:schemeClr val="accent1">
+              <a:shade val="15000"/>
+            </a:schemeClr>
+          </a:lnRef>
+          <a:fillRef idx="1">
+            <a:schemeClr val="accent1"/>
+          </a:fillRef>
+          <a:effectRef idx="0">
+            <a:schemeClr val="accent1"/>
+          </a:effectRef>
+          <a:fontRef idx="minor">
+            <a:schemeClr val="lt1"/>
+          </a:fontRef>
+        </p:style>
+        <p:txBody>
+          <a:bodyPr rtlCol="0" anchor="ctr"/>
+          <a:lstStyle/>
+          <a:p>
+            <a:pPr algn="ctr"/>
+            <a:endParaRPr lang="en-US"/>
+          </a:p>
+        </p:txBody>
+      </p:sp>
+      <p:sp>
+        <p:nvSpPr>
+          <p:cNvPr id="109" name="TextBox 108">
+            <a:extLst>
+              <a:ext uri="{FF2B5EF4-FFF2-40B4-BE49-F238E27FC236}">
+                <a16:creationId xmlns:a16="http://schemas.microsoft.com/office/drawing/2014/main" id="{A1038108-08E1-2807-1CBA-EC061666BB9F}"/>
+              </a:ext>
+            </a:extLst>
+          </p:cNvPr>
+          <p:cNvSpPr txBox="1"/>
+          <p:nvPr/>
+        </p:nvSpPr>
+        <p:spPr>
+          <a:xfrm>
+            <a:off x="6588531" y="5376733"/>
+            <a:ext cx="4877172" cy="646331"/>
+          </a:xfrm>
+          <a:prstGeom prst="rect">
+            <a:avLst/>
+          </a:prstGeom>
+          <a:noFill/>
+        </p:spPr>
+        <p:txBody>
+          <a:bodyPr wrap="square" rtlCol="0">
+            <a:spAutoFit/>
+          </a:bodyPr>
+          <a:lstStyle/>
+          <a:p>
+            <a:r>
+              <a:rPr lang="en-US" dirty="0">
+                <a:solidFill>
+                  <a:schemeClr val="accent1"/>
+                </a:solidFill>
+              </a:rPr>
+              <a:t>delete max:</a:t>
+            </a:r>
+          </a:p>
+          <a:p>
+            <a:r>
+              <a:rPr lang="en-US" dirty="0">
+                <a:solidFill>
+                  <a:schemeClr val="accent1"/>
+                </a:solidFill>
+              </a:rPr>
+              <a:t>swap and percolate down for(n-1, -1, -1)</a:t>
+            </a:r>
+          </a:p>
+        </p:txBody>
+      </p:sp>
+    </p:spTree>
+    <p:extLst>
+      <p:ext uri="{BB962C8B-B14F-4D97-AF65-F5344CB8AC3E}">
+        <p14:creationId xmlns:p14="http://schemas.microsoft.com/office/powerpoint/2010/main" val="1399571547"/>
+      </p:ext>
+    </p:extLst>
+  </p:cSld>
+  <p:clrMapOvr>
+    <a:masterClrMapping/>
+  </p:clrMapOvr>
+</p:sld>
+</file>
+
+<file path=ppt/slides/slide4.xml><?xml version="1.0" encoding="utf-8"?>
 <p:sld xmlns:a="http://schemas.openxmlformats.org/drawingml/2006/main" xmlns:r="http://schemas.openxmlformats.org/officeDocument/2006/relationships" xmlns:p="http://schemas.openxmlformats.org/presentationml/2006/main">
   <p:cSld>
     <p:spTree>
